--- a/Presentation/Razvoj rješenja za predviđanje broja osoba u prostoriji.pptx
+++ b/Presentation/Razvoj rješenja za predviđanje broja osoba u prostoriji.pptx
@@ -215,7 +215,7 @@
           <a:p>
             <a:fld id="{933E0DE9-15DF-4B33-8D15-723B754FA0F6}" type="datetimeFigureOut">
               <a:rPr lang="sr-Latn-BA" smtClean="0"/>
-              <a:t>25.6.2024.</a:t>
+              <a:t>30.6.2024.</a:t>
             </a:fld>
             <a:endParaRPr lang="sr-Latn-BA"/>
           </a:p>
@@ -753,13 +753,13 @@
           <a:p>
             <a:r>
               <a:rPr lang="sr-Cyrl-BA" dirty="0"/>
-              <a:t>Тачност је мјера односа броја тачних предвиђања и броја укупних предвиђања.</a:t>
+              <a:t>Тачност је проценат тачно класификованих примјера у односу на укупан број примјера.</a:t>
             </a:r>
           </a:p>
           <a:p>
             <a:r>
               <a:rPr lang="sr-Cyrl-BA" dirty="0"/>
-              <a:t>Прецизност је мјера односа броја тачно позитивних предвиђања и укупног проја позитивних предвиђања.</a:t>
+              <a:t>Прецизност проценат тачно класификованих примјера који су заправо позитивни.</a:t>
             </a:r>
           </a:p>
           <a:p>
@@ -769,25 +769,19 @@
             </a:r>
             <a:r>
               <a:rPr lang="sr-Cyrl-BA" dirty="0"/>
-              <a:t>је хармонијска средина тачности и одзива.</a:t>
+              <a:t>је хармонијска средина прецизности и одзива.</a:t>
             </a:r>
           </a:p>
           <a:p>
             <a:r>
               <a:rPr lang="sr-Cyrl-BA" dirty="0"/>
-              <a:t>Одзив је однос тачних позитивних предвиђања и укупног броја стварних позитивних случајева.</a:t>
+              <a:t>Одзив је проценат стварно позитивних предвиђања у односту на број стварних позитивних случајева. Сваки модел је евалуиран на скупу података за тестирање.</a:t>
             </a:r>
           </a:p>
           <a:p>
             <a:r>
               <a:rPr lang="sr-Cyrl-BA" dirty="0"/>
-              <a:t>Сваки модел је евалуиран на скупу података за тестирање, како би се процијенила његова способност да генерализује на нове податке.</a:t>
-            </a:r>
-          </a:p>
-          <a:p>
-            <a:r>
-              <a:rPr lang="sr-Cyrl-BA" dirty="0"/>
-              <a:t>Резултати евалуације су кориштени за избор најбољег модела и у овом рјешењу. Најбоље резултате су показали </a:t>
+              <a:t>У овом рјешењу, најбоље резултате су показали </a:t>
             </a:r>
             <a:r>
               <a:rPr lang="sr-Latn-BA" dirty="0"/>
@@ -1222,7 +1216,7 @@
           <a:p>
             <a:r>
               <a:rPr lang="sr-Cyrl-BA" dirty="0"/>
-              <a:t>Систем може значајно допринијети смањењу потрошње енергије, побољшању комфора корисника и повећању оперативне ефикасности.</a:t>
+              <a:t>Систем може значајно допринијети смањењу потрошње енергије и повећању приватности корисника.</a:t>
             </a:r>
           </a:p>
           <a:p>
@@ -1476,11 +1470,8 @@
           <a:p>
             <a:r>
               <a:rPr lang="sr-Cyrl-BA" dirty="0"/>
-              <a:t>Предност оваквог рјешења су многоструке, а укључују ефикасније управљање ресурсима, повећање комфора корисника и смањење </a:t>
-            </a:r>
-            <a:endParaRPr lang="sr-Latn-BA" dirty="0"/>
-          </a:p>
-          <a:p>
+              <a:t>Предности оваквог рјешења су многоструке, а укључују ефикасније управљање ресурсима и повећање приватности корисника.</a:t>
+            </a:r>
             <a:endParaRPr lang="sr-Latn-BA" dirty="0"/>
           </a:p>
         </p:txBody>
@@ -1587,15 +1578,23 @@
           <a:p>
             <a:r>
               <a:rPr lang="sr-Cyrl-BA" dirty="0"/>
-              <a:t>Машинско учење је популаризовано у посљедњих неколико година због паметног претраживача </a:t>
+              <a:t>Машинско учење је популаризовано у посљедњих неколико година због </a:t>
+            </a:r>
+            <a:r>
+              <a:rPr lang="ru-RU" dirty="0"/>
+              <a:t>модела за обраду природног језика </a:t>
+            </a:r>
+            <a:r>
+              <a:rPr lang="sr-Cyrl-BA" dirty="0"/>
+              <a:t> </a:t>
             </a:r>
             <a:r>
               <a:rPr lang="en-US" dirty="0"/>
-              <a:t>ChatGPT-</a:t>
+              <a:t>ChatGPT</a:t>
             </a:r>
             <a:r>
               <a:rPr lang="sr-Cyrl-BA" dirty="0"/>
-              <a:t>ја...</a:t>
+              <a:t>,...</a:t>
             </a:r>
             <a:endParaRPr lang="sr-Latn-BA" dirty="0"/>
           </a:p>
@@ -1683,7 +1682,7 @@
           <a:p>
             <a:r>
               <a:rPr lang="sr-Cyrl-BA" dirty="0"/>
-              <a:t>Успјешног маркетинга аутопилота компаније </a:t>
+              <a:t>аутопилота компаније </a:t>
             </a:r>
             <a:r>
               <a:rPr lang="en-US" dirty="0"/>
@@ -1799,7 +1798,7 @@
           <a:p>
             <a:r>
               <a:rPr lang="sr-Cyrl-BA" dirty="0"/>
-              <a:t>Избор модела, Тренирање модела, Оцјењивање модела</a:t>
+              <a:t>Избор алгоритма, Тренирање модела, Оцјењивање модела</a:t>
             </a:r>
           </a:p>
           <a:p>
@@ -1911,7 +1910,7 @@
           <a:p>
             <a:r>
               <a:rPr lang="sr-Cyrl-BA" dirty="0"/>
-              <a:t>Овај проблем је класификациони проблем, јер предвиђамо дискретне категорије (број особа).</a:t>
+              <a:t>Овај проблем је се може посматрати и као регресиони проблем, јер се предвиђа цијели број и као класификациони проблем, пошто се сваки број особа може посматрати као посебна категорија.</a:t>
             </a:r>
           </a:p>
         </p:txBody>
@@ -2010,13 +2009,13 @@
           <a:p>
             <a:r>
               <a:rPr lang="sr-Cyrl-BA" dirty="0"/>
-              <a:t>Тај приступ је изабран јер је омогућио фокусирање на анализу и развој модела без потребе за дуготрајним процесом прикупљања податакам, који би проширио обим самог рада.</a:t>
+              <a:t>Тај приступ је изабран јер је омогућио фокусирање на анализу и развој модела без потребе за дуготрајним процесом прикупљања података.</a:t>
             </a:r>
           </a:p>
           <a:p>
             <a:r>
               <a:rPr lang="sr-Cyrl-BA" dirty="0"/>
-              <a:t>Подаци су укључивали мјерења температуре, влажности, нивоа угљен-диоксида и освјетљености, прикупљана континуално током одређеног периода.</a:t>
+              <a:t>Подаци су укључивали мјерења температуре, влажности, нивоа угљен-диоксида и освјетљености, датума и времена и стварни број особа у просториј.</a:t>
             </a:r>
             <a:endParaRPr lang="sr-Latn-BA" dirty="0"/>
           </a:p>
@@ -2134,8 +2133,16 @@
           <a:p>
             <a:r>
               <a:rPr lang="sr-Cyrl-BA" dirty="0"/>
-              <a:t>Скуп података се дијели у два подскупа, један за тренирање и други за тестирање.</a:t>
-            </a:r>
+              <a:t>У овом раду су избачени празни редови, дупликати и редови у којима је број особа у просторији био мањи од нула.  </a:t>
+            </a:r>
+          </a:p>
+          <a:p>
+            <a:r>
+              <a:rPr lang="sr-Cyrl-BA" dirty="0"/>
+              <a:t>Скуп података је подијељен у два подскупа, један за тренирање и други за тестирање.</a:t>
+            </a:r>
+          </a:p>
+          <a:p>
             <a:endParaRPr lang="sr-Latn-BA" dirty="0"/>
           </a:p>
         </p:txBody>
@@ -2222,7 +2229,7 @@
           <a:p>
             <a:r>
               <a:rPr lang="sr-Cyrl-BA" dirty="0"/>
-              <a:t>Избор модела је важан корак, јер различити алгоритми могу дати различите резултате за исти проблем.</a:t>
+              <a:t>Различити алгоритми могу дати различите резултате за исти проблем.</a:t>
             </a:r>
           </a:p>
           <a:p>
@@ -2234,7 +2241,13 @@
           <a:p>
             <a:r>
               <a:rPr lang="sr-Cyrl-BA" dirty="0"/>
-              <a:t>Тестирање различитих алгоритама омогућава проналазак најбољих резултата за наш специфични проблем.</a:t>
+              <a:t>Од алгоритма зависи и вријеме утрошено на тренирање модела.</a:t>
+            </a:r>
+          </a:p>
+          <a:p>
+            <a:r>
+              <a:rPr lang="sr-Cyrl-BA" dirty="0"/>
+              <a:t>Тестирање различитих алгоритама омогућава проналазак најбољих резултата за специфични проблем.</a:t>
             </a:r>
           </a:p>
           <a:p>
@@ -2308,7 +2321,7 @@
           <a:p>
             <a:r>
               <a:rPr lang="sr-Cyrl-BA" dirty="0"/>
-              <a:t>Сваки од ових алгоритама је тестиран на истом скупу података како би се одредила њихова тачност и ефикасност.</a:t>
+              <a:t>Сваки од ових модела је тестиран на истом скупу података како би се одредила њихова тачност и ефикасност.</a:t>
             </a:r>
             <a:endParaRPr lang="sr-Latn-BA" dirty="0"/>
           </a:p>
@@ -2576,7 +2589,7 @@
           <a:p>
             <a:fld id="{694A021E-8389-4A27-AC52-9AEBB6FACBF4}" type="datetimeFigureOut">
               <a:rPr lang="sr-Latn-BA" smtClean="0"/>
-              <a:t>25.6.2024.</a:t>
+              <a:t>30.6.2024.</a:t>
             </a:fld>
             <a:endParaRPr lang="sr-Latn-BA"/>
           </a:p>
@@ -2784,7 +2797,7 @@
           <a:p>
             <a:fld id="{694A021E-8389-4A27-AC52-9AEBB6FACBF4}" type="datetimeFigureOut">
               <a:rPr lang="sr-Latn-BA" smtClean="0"/>
-              <a:t>25.6.2024.</a:t>
+              <a:t>30.6.2024.</a:t>
             </a:fld>
             <a:endParaRPr lang="sr-Latn-BA"/>
           </a:p>
@@ -3040,7 +3053,7 @@
           <a:p>
             <a:fld id="{694A021E-8389-4A27-AC52-9AEBB6FACBF4}" type="datetimeFigureOut">
               <a:rPr lang="sr-Latn-BA" smtClean="0"/>
-              <a:t>25.6.2024.</a:t>
+              <a:t>30.6.2024.</a:t>
             </a:fld>
             <a:endParaRPr lang="sr-Latn-BA"/>
           </a:p>
@@ -3214,7 +3227,7 @@
           <a:p>
             <a:fld id="{694A021E-8389-4A27-AC52-9AEBB6FACBF4}" type="datetimeFigureOut">
               <a:rPr lang="sr-Latn-BA" smtClean="0"/>
-              <a:t>25.6.2024.</a:t>
+              <a:t>30.6.2024.</a:t>
             </a:fld>
             <a:endParaRPr lang="sr-Latn-BA"/>
           </a:p>
@@ -3557,7 +3570,7 @@
           <a:p>
             <a:fld id="{694A021E-8389-4A27-AC52-9AEBB6FACBF4}" type="datetimeFigureOut">
               <a:rPr lang="sr-Latn-BA" smtClean="0"/>
-              <a:t>25.6.2024.</a:t>
+              <a:t>30.6.2024.</a:t>
             </a:fld>
             <a:endParaRPr lang="sr-Latn-BA"/>
           </a:p>
@@ -3832,7 +3845,7 @@
           <a:p>
             <a:fld id="{694A021E-8389-4A27-AC52-9AEBB6FACBF4}" type="datetimeFigureOut">
               <a:rPr lang="sr-Latn-BA" smtClean="0"/>
-              <a:t>25.6.2024.</a:t>
+              <a:t>30.6.2024.</a:t>
             </a:fld>
             <a:endParaRPr lang="sr-Latn-BA"/>
           </a:p>
@@ -4211,7 +4224,7 @@
           <a:p>
             <a:fld id="{694A021E-8389-4A27-AC52-9AEBB6FACBF4}" type="datetimeFigureOut">
               <a:rPr lang="sr-Latn-BA" smtClean="0"/>
-              <a:t>25.6.2024.</a:t>
+              <a:t>30.6.2024.</a:t>
             </a:fld>
             <a:endParaRPr lang="sr-Latn-BA"/>
           </a:p>
@@ -4329,7 +4342,7 @@
           <a:p>
             <a:fld id="{694A021E-8389-4A27-AC52-9AEBB6FACBF4}" type="datetimeFigureOut">
               <a:rPr lang="sr-Latn-BA" smtClean="0"/>
-              <a:t>25.6.2024.</a:t>
+              <a:t>30.6.2024.</a:t>
             </a:fld>
             <a:endParaRPr lang="sr-Latn-BA"/>
           </a:p>
@@ -4500,7 +4513,7 @@
           <a:p>
             <a:fld id="{694A021E-8389-4A27-AC52-9AEBB6FACBF4}" type="datetimeFigureOut">
               <a:rPr lang="sr-Latn-BA" smtClean="0"/>
-              <a:t>25.6.2024.</a:t>
+              <a:t>30.6.2024.</a:t>
             </a:fld>
             <a:endParaRPr lang="sr-Latn-BA"/>
           </a:p>
@@ -4854,7 +4867,7 @@
           <a:p>
             <a:fld id="{694A021E-8389-4A27-AC52-9AEBB6FACBF4}" type="datetimeFigureOut">
               <a:rPr lang="sr-Latn-BA" smtClean="0"/>
-              <a:t>25.6.2024.</a:t>
+              <a:t>30.6.2024.</a:t>
             </a:fld>
             <a:endParaRPr lang="sr-Latn-BA"/>
           </a:p>
@@ -5236,7 +5249,7 @@
           <a:p>
             <a:fld id="{694A021E-8389-4A27-AC52-9AEBB6FACBF4}" type="datetimeFigureOut">
               <a:rPr lang="sr-Latn-BA" smtClean="0"/>
-              <a:t>25.6.2024.</a:t>
+              <a:t>30.6.2024.</a:t>
             </a:fld>
             <a:endParaRPr lang="sr-Latn-BA"/>
           </a:p>
@@ -5523,7 +5536,7 @@
           <a:p>
             <a:fld id="{694A021E-8389-4A27-AC52-9AEBB6FACBF4}" type="datetimeFigureOut">
               <a:rPr lang="sr-Latn-BA" smtClean="0"/>
-              <a:t>25.6.2024.</a:t>
+              <a:t>30.6.2024.</a:t>
             </a:fld>
             <a:endParaRPr lang="sr-Latn-BA"/>
           </a:p>
@@ -7398,6 +7411,10 @@
               </a:rPr>
               <a:t>F1 score</a:t>
             </a:r>
+            <a:endParaRPr lang="sr-Cyrl-BA" sz="2000" dirty="0">
+              <a:latin typeface="Times New Roman" panose="02020603050405020304" pitchFamily="18" charset="0"/>
+              <a:cs typeface="Times New Roman" panose="02020603050405020304" pitchFamily="18" charset="0"/>
+            </a:endParaRPr>
           </a:p>
         </p:txBody>
       </p:sp>
@@ -15682,11 +15699,11 @@
               <a:t> </a:t>
             </a:r>
             <a:r>
-              <a:rPr lang="en-US" dirty="0" err="1">
-                <a:latin typeface="Times New Roman" panose="02020603050405020304" pitchFamily="18" charset="0"/>
-                <a:cs typeface="Times New Roman" panose="02020603050405020304" pitchFamily="18" charset="0"/>
-              </a:rPr>
-              <a:t>модела</a:t>
+              <a:rPr lang="sr-Cyrl-BA" dirty="0">
+                <a:latin typeface="Times New Roman" panose="02020603050405020304" pitchFamily="18" charset="0"/>
+                <a:cs typeface="Times New Roman" panose="02020603050405020304" pitchFamily="18" charset="0"/>
+              </a:rPr>
+              <a:t>алгоритма</a:t>
             </a:r>
             <a:endParaRPr lang="en-US" dirty="0">
               <a:latin typeface="Times New Roman" panose="02020603050405020304" pitchFamily="18" charset="0"/>

--- a/Presentation/Razvoj rješenja za predviđanje broja osoba u prostoriji.pptx
+++ b/Presentation/Razvoj rješenja za predviđanje broja osoba u prostoriji.pptx
@@ -215,7 +215,7 @@
           <a:p>
             <a:fld id="{933E0DE9-15DF-4B33-8D15-723B754FA0F6}" type="datetimeFigureOut">
               <a:rPr lang="sr-Latn-BA" smtClean="0"/>
-              <a:t>30.6.2024.</a:t>
+              <a:t>1.7.2024.</a:t>
             </a:fld>
             <a:endParaRPr lang="sr-Latn-BA"/>
           </a:p>
@@ -752,17 +752,41 @@
           </a:p>
           <a:p>
             <a:r>
-              <a:rPr lang="sr-Cyrl-BA" dirty="0"/>
-              <a:t>Тачност је проценат тачно класификованих примјера у односу на укупан број примјера.</a:t>
-            </a:r>
-          </a:p>
-          <a:p>
-            <a:r>
-              <a:rPr lang="sr-Cyrl-BA" dirty="0"/>
-              <a:t>Прецизност проценат тачно класификованих примјера који су заправо позитивни.</a:t>
-            </a:r>
-          </a:p>
-          <a:p>
+              <a:rPr lang="ru-RU" dirty="0"/>
+              <a:t>Тачност мјери проценат исправно предвиђених класификација у односу на укупни број предвиђања.</a:t>
+            </a:r>
+          </a:p>
+          <a:p>
+            <a:r>
+              <a:rPr lang="ru-RU" dirty="0"/>
+              <a:t>Прецизност показује колико од предвиђених позитивних класификација стварно припада позитивној класи.</a:t>
+            </a:r>
+          </a:p>
+          <a:p>
+            <a:r>
+              <a:rPr lang="ru-RU" dirty="0"/>
+              <a:t>Одзив мјери колико добро модел идентификује све позитивне случајеве.</a:t>
+            </a:r>
+            <a:endParaRPr lang="en-US" dirty="0"/>
+          </a:p>
+          <a:p>
+            <a:pPr marL="0" marR="0" lvl="0" indent="0" algn="l" defTabSz="914400" rtl="0" eaLnBrk="1" fontAlgn="auto" latinLnBrk="0" hangingPunct="1">
+              <a:lnSpc>
+                <a:spcPct val="100000"/>
+              </a:lnSpc>
+              <a:spcBef>
+                <a:spcPts val="0"/>
+              </a:spcBef>
+              <a:spcAft>
+                <a:spcPts val="0"/>
+              </a:spcAft>
+              <a:buClrTx/>
+              <a:buSzTx/>
+              <a:buFontTx/>
+              <a:buNone/>
+              <a:tabLst/>
+              <a:defRPr/>
+            </a:pPr>
             <a:r>
               <a:rPr lang="en-US" dirty="0"/>
               <a:t>F1 score </a:t>
@@ -771,11 +795,12 @@
               <a:rPr lang="sr-Cyrl-BA" dirty="0"/>
               <a:t>је хармонијска средина прецизности и одзива.</a:t>
             </a:r>
+            <a:endParaRPr lang="ru-RU" dirty="0"/>
           </a:p>
           <a:p>
             <a:r>
               <a:rPr lang="sr-Cyrl-BA" dirty="0"/>
-              <a:t>Одзив је проценат стварно позитивних предвиђања у односту на број стварних позитивних случајева. Сваки модел је евалуиран на скупу података за тестирање.</a:t>
+              <a:t>Сваки модел је евалуиран на скупу података за тестирање.</a:t>
             </a:r>
           </a:p>
           <a:p>
@@ -1210,7 +1235,7 @@
           <a:p>
             <a:r>
               <a:rPr lang="sr-Cyrl-BA" dirty="0"/>
-              <a:t>Закључујемо да је развијено рјешење ефикасно ида може имати широку примјену у различитим областима, укључујући комерцијалне зграде, стамбене просторе и индустријска постројења.</a:t>
+              <a:t>Закључујемо да је развијено рјешење ефикасно и да може имати широку примјену у различитим областима, укључујући комерцијалне зграде, стамбене просторе и индустријска постројења.</a:t>
             </a:r>
           </a:p>
           <a:p>
@@ -2259,13 +2284,13 @@
           <a:p>
             <a:r>
               <a:rPr lang="sr-Cyrl-BA" dirty="0"/>
-              <a:t>*Логистичка регресија је једноставан и ефикасан алгоритам за бинарну класификацију.</a:t>
-            </a:r>
-          </a:p>
-          <a:p>
-            <a:r>
-              <a:rPr lang="sr-Cyrl-BA" dirty="0"/>
-              <a:t>*</a:t>
+              <a:t>- Логистичка регресија је једноставан и ефикасан алгоритам за бинарну класификацију.</a:t>
+            </a:r>
+          </a:p>
+          <a:p>
+            <a:r>
+              <a:rPr lang="en-US" dirty="0"/>
+              <a:t>- </a:t>
             </a:r>
             <a:r>
               <a:rPr lang="sr-Latn-BA" dirty="0"/>
@@ -2278,18 +2303,18 @@
           </a:p>
           <a:p>
             <a:r>
+              <a:rPr lang="en-US" dirty="0"/>
+              <a:t>- </a:t>
+            </a:r>
+            <a:r>
               <a:rPr lang="sr-Cyrl-BA" dirty="0"/>
-              <a:t>*Стабла одлучивања користе структуру стабла за доношење одлука.</a:t>
-            </a:r>
-          </a:p>
-          <a:p>
-            <a:r>
-              <a:rPr lang="sr-Cyrl-BA" dirty="0"/>
-              <a:t>*</a:t>
-            </a:r>
+              <a:t>Стабла одлучивања користе структуру стабла за доношење одлука.</a:t>
+            </a:r>
+          </a:p>
+          <a:p>
             <a:r>
               <a:rPr lang="en-US" dirty="0"/>
-              <a:t>Random Forest </a:t>
+              <a:t>- Random Forest </a:t>
             </a:r>
             <a:r>
               <a:rPr lang="sr-Cyrl-BA" dirty="0"/>
@@ -2298,8 +2323,8 @@
           </a:p>
           <a:p>
             <a:r>
-              <a:rPr lang="sr-Cyrl-BA" dirty="0"/>
-              <a:t>*</a:t>
+              <a:rPr lang="en-US" dirty="0"/>
+              <a:t>- </a:t>
             </a:r>
             <a:r>
               <a:rPr lang="en-US" dirty="0" err="1"/>
@@ -2315,7 +2340,15 @@
             </a:r>
             <a:r>
               <a:rPr lang="sr-Cyrl-BA" dirty="0"/>
-              <a:t>и нуди високу тачност и безу обуку.</a:t>
+              <a:t>и нуди високу тачност </a:t>
+            </a:r>
+            <a:r>
+              <a:rPr lang="sr-Cyrl-BA"/>
+              <a:t>и брзу </a:t>
+            </a:r>
+            <a:r>
+              <a:rPr lang="sr-Cyrl-BA" dirty="0"/>
+              <a:t>обуку.</a:t>
             </a:r>
           </a:p>
           <a:p>
@@ -2589,7 +2622,7 @@
           <a:p>
             <a:fld id="{694A021E-8389-4A27-AC52-9AEBB6FACBF4}" type="datetimeFigureOut">
               <a:rPr lang="sr-Latn-BA" smtClean="0"/>
-              <a:t>30.6.2024.</a:t>
+              <a:t>1.7.2024.</a:t>
             </a:fld>
             <a:endParaRPr lang="sr-Latn-BA"/>
           </a:p>
@@ -2797,7 +2830,7 @@
           <a:p>
             <a:fld id="{694A021E-8389-4A27-AC52-9AEBB6FACBF4}" type="datetimeFigureOut">
               <a:rPr lang="sr-Latn-BA" smtClean="0"/>
-              <a:t>30.6.2024.</a:t>
+              <a:t>1.7.2024.</a:t>
             </a:fld>
             <a:endParaRPr lang="sr-Latn-BA"/>
           </a:p>
@@ -3053,7 +3086,7 @@
           <a:p>
             <a:fld id="{694A021E-8389-4A27-AC52-9AEBB6FACBF4}" type="datetimeFigureOut">
               <a:rPr lang="sr-Latn-BA" smtClean="0"/>
-              <a:t>30.6.2024.</a:t>
+              <a:t>1.7.2024.</a:t>
             </a:fld>
             <a:endParaRPr lang="sr-Latn-BA"/>
           </a:p>
@@ -3227,7 +3260,7 @@
           <a:p>
             <a:fld id="{694A021E-8389-4A27-AC52-9AEBB6FACBF4}" type="datetimeFigureOut">
               <a:rPr lang="sr-Latn-BA" smtClean="0"/>
-              <a:t>30.6.2024.</a:t>
+              <a:t>1.7.2024.</a:t>
             </a:fld>
             <a:endParaRPr lang="sr-Latn-BA"/>
           </a:p>
@@ -3570,7 +3603,7 @@
           <a:p>
             <a:fld id="{694A021E-8389-4A27-AC52-9AEBB6FACBF4}" type="datetimeFigureOut">
               <a:rPr lang="sr-Latn-BA" smtClean="0"/>
-              <a:t>30.6.2024.</a:t>
+              <a:t>1.7.2024.</a:t>
             </a:fld>
             <a:endParaRPr lang="sr-Latn-BA"/>
           </a:p>
@@ -3845,7 +3878,7 @@
           <a:p>
             <a:fld id="{694A021E-8389-4A27-AC52-9AEBB6FACBF4}" type="datetimeFigureOut">
               <a:rPr lang="sr-Latn-BA" smtClean="0"/>
-              <a:t>30.6.2024.</a:t>
+              <a:t>1.7.2024.</a:t>
             </a:fld>
             <a:endParaRPr lang="sr-Latn-BA"/>
           </a:p>
@@ -4224,7 +4257,7 @@
           <a:p>
             <a:fld id="{694A021E-8389-4A27-AC52-9AEBB6FACBF4}" type="datetimeFigureOut">
               <a:rPr lang="sr-Latn-BA" smtClean="0"/>
-              <a:t>30.6.2024.</a:t>
+              <a:t>1.7.2024.</a:t>
             </a:fld>
             <a:endParaRPr lang="sr-Latn-BA"/>
           </a:p>
@@ -4342,7 +4375,7 @@
           <a:p>
             <a:fld id="{694A021E-8389-4A27-AC52-9AEBB6FACBF4}" type="datetimeFigureOut">
               <a:rPr lang="sr-Latn-BA" smtClean="0"/>
-              <a:t>30.6.2024.</a:t>
+              <a:t>1.7.2024.</a:t>
             </a:fld>
             <a:endParaRPr lang="sr-Latn-BA"/>
           </a:p>
@@ -4513,7 +4546,7 @@
           <a:p>
             <a:fld id="{694A021E-8389-4A27-AC52-9AEBB6FACBF4}" type="datetimeFigureOut">
               <a:rPr lang="sr-Latn-BA" smtClean="0"/>
-              <a:t>30.6.2024.</a:t>
+              <a:t>1.7.2024.</a:t>
             </a:fld>
             <a:endParaRPr lang="sr-Latn-BA"/>
           </a:p>
@@ -4867,7 +4900,7 @@
           <a:p>
             <a:fld id="{694A021E-8389-4A27-AC52-9AEBB6FACBF4}" type="datetimeFigureOut">
               <a:rPr lang="sr-Latn-BA" smtClean="0"/>
-              <a:t>30.6.2024.</a:t>
+              <a:t>1.7.2024.</a:t>
             </a:fld>
             <a:endParaRPr lang="sr-Latn-BA"/>
           </a:p>
@@ -5249,7 +5282,7 @@
           <a:p>
             <a:fld id="{694A021E-8389-4A27-AC52-9AEBB6FACBF4}" type="datetimeFigureOut">
               <a:rPr lang="sr-Latn-BA" smtClean="0"/>
-              <a:t>30.6.2024.</a:t>
+              <a:t>1.7.2024.</a:t>
             </a:fld>
             <a:endParaRPr lang="sr-Latn-BA"/>
           </a:p>
@@ -5536,7 +5569,7 @@
           <a:p>
             <a:fld id="{694A021E-8389-4A27-AC52-9AEBB6FACBF4}" type="datetimeFigureOut">
               <a:rPr lang="sr-Latn-BA" smtClean="0"/>
-              <a:t>30.6.2024.</a:t>
+              <a:t>1.7.2024.</a:t>
             </a:fld>
             <a:endParaRPr lang="sr-Latn-BA"/>
           </a:p>
@@ -7255,41 +7288,6 @@
           </a:p>
         </p:txBody>
       </p:sp>
-      <p:pic>
-        <p:nvPicPr>
-          <p:cNvPr id="13" name="Picture 12" descr="A clipboard with a pencil and a checklist&#10;&#10;Description automatically generated">
-            <a:extLst>
-              <a:ext uri="{FF2B5EF4-FFF2-40B4-BE49-F238E27FC236}">
-                <a16:creationId xmlns:a16="http://schemas.microsoft.com/office/drawing/2014/main" id="{E57DD1E6-F5A6-4201-F732-6888967A0E3E}"/>
-              </a:ext>
-            </a:extLst>
-          </p:cNvPr>
-          <p:cNvPicPr>
-            <a:picLocks noChangeAspect="1"/>
-          </p:cNvPicPr>
-          <p:nvPr/>
-        </p:nvPicPr>
-        <p:blipFill rotWithShape="1">
-          <a:blip r:embed="rId3">
-            <a:extLst>
-              <a:ext uri="{28A0092B-C50C-407E-A947-70E740481C1C}">
-                <a14:useLocalDpi xmlns:a14="http://schemas.microsoft.com/office/drawing/2010/main" val="0"/>
-              </a:ext>
-            </a:extLst>
-          </a:blip>
-          <a:srcRect l="6612" r="6925"/>
-          <a:stretch/>
-        </p:blipFill>
-        <p:spPr>
-          <a:xfrm>
-            <a:off x="633999" y="640081"/>
-            <a:ext cx="6909801" cy="5314406"/>
-          </a:xfrm>
-          <a:prstGeom prst="rect">
-            <a:avLst/>
-          </a:prstGeom>
-        </p:spPr>
-      </p:pic>
       <p:cxnSp>
         <p:nvCxnSpPr>
           <p:cNvPr id="40" name="Straight Connector 39">
@@ -7405,6 +7403,20 @@
           <a:p>
             <a:pPr lvl="1"/>
             <a:r>
+              <a:rPr lang="sr-Cyrl-BA" sz="2000" dirty="0">
+                <a:latin typeface="Times New Roman" panose="02020603050405020304" pitchFamily="18" charset="0"/>
+                <a:cs typeface="Times New Roman" panose="02020603050405020304" pitchFamily="18" charset="0"/>
+              </a:rPr>
+              <a:t>Одзив</a:t>
+            </a:r>
+            <a:endParaRPr lang="en-US" sz="2000" dirty="0">
+              <a:latin typeface="Times New Roman" panose="02020603050405020304" pitchFamily="18" charset="0"/>
+              <a:cs typeface="Times New Roman" panose="02020603050405020304" pitchFamily="18" charset="0"/>
+            </a:endParaRPr>
+          </a:p>
+          <a:p>
+            <a:pPr lvl="1"/>
+            <a:r>
               <a:rPr lang="en-US" sz="2000" dirty="0">
                 <a:latin typeface="Times New Roman" panose="02020603050405020304" pitchFamily="18" charset="0"/>
                 <a:cs typeface="Times New Roman" panose="02020603050405020304" pitchFamily="18" charset="0"/>
@@ -7542,6 +7554,36 @@
           </a:p>
         </p:txBody>
       </p:sp>
+      <p:pic>
+        <p:nvPicPr>
+          <p:cNvPr id="8" name="Picture 7">
+            <a:extLst>
+              <a:ext uri="{FF2B5EF4-FFF2-40B4-BE49-F238E27FC236}">
+                <a16:creationId xmlns:a16="http://schemas.microsoft.com/office/drawing/2014/main" id="{9462F2FA-6990-578C-1976-8947BFDA41CC}"/>
+              </a:ext>
+            </a:extLst>
+          </p:cNvPr>
+          <p:cNvPicPr>
+            <a:picLocks noChangeAspect="1"/>
+          </p:cNvPicPr>
+          <p:nvPr/>
+        </p:nvPicPr>
+        <p:blipFill>
+          <a:blip r:embed="rId3"/>
+          <a:stretch>
+            <a:fillRect/>
+          </a:stretch>
+        </p:blipFill>
+        <p:spPr>
+          <a:xfrm>
+            <a:off x="191561" y="351203"/>
+            <a:ext cx="7442371" cy="5631910"/>
+          </a:xfrm>
+          <a:prstGeom prst="rect">
+            <a:avLst/>
+          </a:prstGeom>
+        </p:spPr>
+      </p:pic>
     </p:spTree>
     <p:extLst>
       <p:ext uri="{BB962C8B-B14F-4D97-AF65-F5344CB8AC3E}">
@@ -10434,6 +10476,14 @@
 <file path=ppt/slides/slide16.xml><?xml version="1.0" encoding="utf-8"?>
 <p:sld xmlns:a="http://schemas.openxmlformats.org/drawingml/2006/main" xmlns:r="http://schemas.openxmlformats.org/officeDocument/2006/relationships" xmlns:p="http://schemas.openxmlformats.org/presentationml/2006/main">
   <p:cSld>
+    <p:bg>
+      <p:bgPr>
+        <a:solidFill>
+          <a:schemeClr val="bg1"/>
+        </a:solidFill>
+        <a:effectLst/>
+      </p:bgPr>
+    </p:bg>
     <p:spTree>
       <p:nvGrpSpPr>
         <p:cNvPr id="1" name=""/>
@@ -10450,6 +10500,245 @@
       </p:grpSpPr>
       <p:sp>
         <p:nvSpPr>
+          <p:cNvPr id="10" name="Rectangle 9">
+            <a:extLst>
+              <a:ext uri="{FF2B5EF4-FFF2-40B4-BE49-F238E27FC236}">
+                <a16:creationId xmlns:a16="http://schemas.microsoft.com/office/drawing/2014/main" id="{4E4490D0-3672-446A-AC12-B4830333BDDD}"/>
+              </a:ext>
+              <a:ext uri="{C183D7F6-B498-43B3-948B-1728B52AA6E4}">
+                <adec:decorative xmlns:adec="http://schemas.microsoft.com/office/drawing/2017/decorative" val="1"/>
+              </a:ext>
+            </a:extLst>
+          </p:cNvPr>
+          <p:cNvSpPr>
+            <a:spLocks noGrp="1" noRot="1" noChangeAspect="1" noMove="1" noResize="1" noEditPoints="1" noAdjustHandles="1" noChangeArrowheads="1" noChangeShapeType="1" noTextEdit="1"/>
+          </p:cNvSpPr>
+          <p:nvPr>
+            <p:extLst>
+              <p:ext uri="{386F3935-93C4-4BCD-93E2-E3B085C9AB24}">
+                <p16:designElem xmlns:p16="http://schemas.microsoft.com/office/powerpoint/2015/main" val="1"/>
+              </p:ext>
+            </p:extLst>
+          </p:nvPr>
+        </p:nvSpPr>
+        <p:spPr>
+          <a:xfrm>
+            <a:off x="3175" y="6400800"/>
+            <a:ext cx="12188825" cy="457200"/>
+          </a:xfrm>
+          <a:prstGeom prst="rect">
+            <a:avLst/>
+          </a:prstGeom>
+          <a:solidFill>
+            <a:schemeClr val="accent2"/>
+          </a:solidFill>
+          <a:ln>
+            <a:noFill/>
+          </a:ln>
+        </p:spPr>
+        <p:style>
+          <a:lnRef idx="2">
+            <a:schemeClr val="accent1">
+              <a:shade val="50000"/>
+            </a:schemeClr>
+          </a:lnRef>
+          <a:fillRef idx="1">
+            <a:schemeClr val="accent1"/>
+          </a:fillRef>
+          <a:effectRef idx="0">
+            <a:schemeClr val="accent1"/>
+          </a:effectRef>
+          <a:fontRef idx="minor">
+            <a:schemeClr val="lt1"/>
+          </a:fontRef>
+        </p:style>
+        <p:txBody>
+          <a:bodyPr/>
+          <a:lstStyle/>
+          <a:p>
+            <a:endParaRPr lang="sr-Latn-BA"/>
+          </a:p>
+        </p:txBody>
+      </p:sp>
+      <p:sp>
+        <p:nvSpPr>
+          <p:cNvPr id="12" name="Rectangle 11">
+            <a:extLst>
+              <a:ext uri="{FF2B5EF4-FFF2-40B4-BE49-F238E27FC236}">
+                <a16:creationId xmlns:a16="http://schemas.microsoft.com/office/drawing/2014/main" id="{39CB82C2-DF65-4EC1-8280-F201D50F570B}"/>
+              </a:ext>
+              <a:ext uri="{C183D7F6-B498-43B3-948B-1728B52AA6E4}">
+                <adec:decorative xmlns:adec="http://schemas.microsoft.com/office/drawing/2017/decorative" val="1"/>
+              </a:ext>
+            </a:extLst>
+          </p:cNvPr>
+          <p:cNvSpPr>
+            <a:spLocks noGrp="1" noRot="1" noChangeAspect="1" noMove="1" noResize="1" noEditPoints="1" noAdjustHandles="1" noChangeArrowheads="1" noChangeShapeType="1" noTextEdit="1"/>
+          </p:cNvSpPr>
+          <p:nvPr>
+            <p:extLst>
+              <p:ext uri="{386F3935-93C4-4BCD-93E2-E3B085C9AB24}">
+                <p16:designElem xmlns:p16="http://schemas.microsoft.com/office/powerpoint/2015/main" val="1"/>
+              </p:ext>
+            </p:extLst>
+          </p:nvPr>
+        </p:nvSpPr>
+        <p:spPr>
+          <a:xfrm>
+            <a:off x="15" y="6334316"/>
+            <a:ext cx="12188825" cy="64008"/>
+          </a:xfrm>
+          <a:prstGeom prst="rect">
+            <a:avLst/>
+          </a:prstGeom>
+          <a:solidFill>
+            <a:schemeClr val="accent1"/>
+          </a:solidFill>
+          <a:ln>
+            <a:noFill/>
+          </a:ln>
+        </p:spPr>
+        <p:style>
+          <a:lnRef idx="2">
+            <a:schemeClr val="accent1">
+              <a:shade val="50000"/>
+            </a:schemeClr>
+          </a:lnRef>
+          <a:fillRef idx="1">
+            <a:schemeClr val="accent1"/>
+          </a:fillRef>
+          <a:effectRef idx="0">
+            <a:schemeClr val="accent1"/>
+          </a:effectRef>
+          <a:fontRef idx="minor">
+            <a:schemeClr val="lt1"/>
+          </a:fontRef>
+        </p:style>
+        <p:txBody>
+          <a:bodyPr/>
+          <a:lstStyle/>
+          <a:p>
+            <a:endParaRPr lang="sr-Latn-BA"/>
+          </a:p>
+        </p:txBody>
+      </p:sp>
+      <p:cxnSp>
+        <p:nvCxnSpPr>
+          <p:cNvPr id="14" name="Straight Connector 13">
+            <a:extLst>
+              <a:ext uri="{FF2B5EF4-FFF2-40B4-BE49-F238E27FC236}">
+                <a16:creationId xmlns:a16="http://schemas.microsoft.com/office/drawing/2014/main" id="{7E1D4427-852B-4B37-8E76-0E9F1810BA2A}"/>
+              </a:ext>
+              <a:ext uri="{C183D7F6-B498-43B3-948B-1728B52AA6E4}">
+                <adec:decorative xmlns:adec="http://schemas.microsoft.com/office/drawing/2017/decorative" val="1"/>
+              </a:ext>
+            </a:extLst>
+          </p:cNvPr>
+          <p:cNvCxnSpPr>
+            <a:cxnSpLocks noGrp="1" noRot="1" noChangeAspect="1" noMove="1" noResize="1" noEditPoints="1" noAdjustHandles="1" noChangeArrowheads="1" noChangeShapeType="1"/>
+          </p:cNvCxnSpPr>
+          <p:nvPr>
+            <p:extLst>
+              <p:ext uri="{386F3935-93C4-4BCD-93E2-E3B085C9AB24}">
+                <p16:designElem xmlns:p16="http://schemas.microsoft.com/office/powerpoint/2015/main" val="1"/>
+              </p:ext>
+            </p:extLst>
+          </p:nvPr>
+        </p:nvCxnSpPr>
+        <p:spPr>
+          <a:xfrm>
+            <a:off x="1207658" y="4343400"/>
+            <a:ext cx="9875520" cy="0"/>
+          </a:xfrm>
+          <a:prstGeom prst="line">
+            <a:avLst/>
+          </a:prstGeom>
+          <a:ln w="6350">
+            <a:solidFill>
+              <a:schemeClr val="tx1">
+                <a:lumMod val="50000"/>
+                <a:lumOff val="50000"/>
+              </a:schemeClr>
+            </a:solidFill>
+          </a:ln>
+        </p:spPr>
+        <p:style>
+          <a:lnRef idx="1">
+            <a:schemeClr val="accent1"/>
+          </a:lnRef>
+          <a:fillRef idx="0">
+            <a:schemeClr val="accent1"/>
+          </a:fillRef>
+          <a:effectRef idx="0">
+            <a:schemeClr val="accent1"/>
+          </a:effectRef>
+          <a:fontRef idx="minor">
+            <a:schemeClr val="tx1"/>
+          </a:fontRef>
+        </p:style>
+      </p:cxnSp>
+      <p:sp useBgFill="1">
+        <p:nvSpPr>
+          <p:cNvPr id="16" name="Rectangle 15">
+            <a:extLst>
+              <a:ext uri="{FF2B5EF4-FFF2-40B4-BE49-F238E27FC236}">
+                <a16:creationId xmlns:a16="http://schemas.microsoft.com/office/drawing/2014/main" id="{FA4CD5CB-D209-4D70-8CA4-629731C59219}"/>
+              </a:ext>
+              <a:ext uri="{C183D7F6-B498-43B3-948B-1728B52AA6E4}">
+                <adec:decorative xmlns:adec="http://schemas.microsoft.com/office/drawing/2017/decorative" val="1"/>
+              </a:ext>
+            </a:extLst>
+          </p:cNvPr>
+          <p:cNvSpPr>
+            <a:spLocks noGrp="1" noRot="1" noChangeAspect="1" noMove="1" noResize="1" noEditPoints="1" noAdjustHandles="1" noChangeArrowheads="1" noChangeShapeType="1" noTextEdit="1"/>
+          </p:cNvSpPr>
+          <p:nvPr>
+            <p:extLst>
+              <p:ext uri="{386F3935-93C4-4BCD-93E2-E3B085C9AB24}">
+                <p16:designElem xmlns:p16="http://schemas.microsoft.com/office/powerpoint/2015/main" val="1"/>
+              </p:ext>
+            </p:extLst>
+          </p:nvPr>
+        </p:nvSpPr>
+        <p:spPr>
+          <a:xfrm>
+            <a:off x="0" y="0"/>
+            <a:ext cx="12192001" cy="6334316"/>
+          </a:xfrm>
+          <a:prstGeom prst="rect">
+            <a:avLst/>
+          </a:prstGeom>
+          <a:ln>
+            <a:noFill/>
+          </a:ln>
+        </p:spPr>
+        <p:style>
+          <a:lnRef idx="2">
+            <a:schemeClr val="accent1">
+              <a:shade val="50000"/>
+            </a:schemeClr>
+          </a:lnRef>
+          <a:fillRef idx="1">
+            <a:schemeClr val="accent1"/>
+          </a:fillRef>
+          <a:effectRef idx="0">
+            <a:schemeClr val="accent1"/>
+          </a:effectRef>
+          <a:fontRef idx="minor">
+            <a:schemeClr val="lt1"/>
+          </a:fontRef>
+        </p:style>
+        <p:txBody>
+          <a:bodyPr rtlCol="0" anchor="ctr"/>
+          <a:lstStyle/>
+          <a:p>
+            <a:pPr algn="ctr"/>
+            <a:endParaRPr lang="en-US"/>
+          </a:p>
+        </p:txBody>
+      </p:sp>
+      <p:sp>
+        <p:nvSpPr>
           <p:cNvPr id="2" name="Title 1">
             <a:extLst>
               <a:ext uri="{FF2B5EF4-FFF2-40B4-BE49-F238E27FC236}">
@@ -10464,19 +10753,64 @@
             <p:ph type="title"/>
           </p:nvPr>
         </p:nvSpPr>
-        <p:spPr/>
-        <p:txBody>
-          <a:bodyPr/>
-          <a:lstStyle/>
-          <a:p>
-            <a:r>
-              <a:rPr lang="sr-Cyrl-BA" dirty="0">
-                <a:latin typeface="Times New Roman" panose="02020603050405020304" pitchFamily="18" charset="0"/>
-                <a:cs typeface="Times New Roman" panose="02020603050405020304" pitchFamily="18" charset="0"/>
-              </a:rPr>
-              <a:t>Питања и одговори</a:t>
-            </a:r>
-            <a:endParaRPr lang="sr-Latn-BA" dirty="0">
+        <p:spPr>
+          <a:xfrm>
+            <a:off x="8141110" y="639097"/>
+            <a:ext cx="3401961" cy="3686015"/>
+          </a:xfrm>
+        </p:spPr>
+        <p:txBody>
+          <a:bodyPr vert="horz" lIns="91440" tIns="45720" rIns="91440" bIns="45720" rtlCol="0" anchor="b">
+            <a:normAutofit/>
+          </a:bodyPr>
+          <a:lstStyle/>
+          <a:p>
+            <a:r>
+              <a:rPr lang="en-US" dirty="0" err="1">
+                <a:solidFill>
+                  <a:schemeClr val="tx1">
+                    <a:lumMod val="85000"/>
+                    <a:lumOff val="15000"/>
+                  </a:schemeClr>
+                </a:solidFill>
+                <a:latin typeface="Times New Roman" panose="02020603050405020304" pitchFamily="18" charset="0"/>
+                <a:cs typeface="Times New Roman" panose="02020603050405020304" pitchFamily="18" charset="0"/>
+              </a:rPr>
+              <a:t>Питања</a:t>
+            </a:r>
+            <a:r>
+              <a:rPr lang="en-US" dirty="0">
+                <a:solidFill>
+                  <a:schemeClr val="tx1">
+                    <a:lumMod val="85000"/>
+                    <a:lumOff val="15000"/>
+                  </a:schemeClr>
+                </a:solidFill>
+                <a:latin typeface="Times New Roman" panose="02020603050405020304" pitchFamily="18" charset="0"/>
+                <a:cs typeface="Times New Roman" panose="02020603050405020304" pitchFamily="18" charset="0"/>
+              </a:rPr>
+              <a:t> и </a:t>
+            </a:r>
+            <a:r>
+              <a:rPr lang="en-US" dirty="0" err="1">
+                <a:solidFill>
+                  <a:schemeClr val="tx1">
+                    <a:lumMod val="85000"/>
+                    <a:lumOff val="15000"/>
+                  </a:schemeClr>
+                </a:solidFill>
+                <a:latin typeface="Times New Roman" panose="02020603050405020304" pitchFamily="18" charset="0"/>
+                <a:cs typeface="Times New Roman" panose="02020603050405020304" pitchFamily="18" charset="0"/>
+              </a:rPr>
+              <a:t>одговори</a:t>
+            </a:r>
+            <a:endParaRPr lang="en-US" dirty="0">
+              <a:solidFill>
+                <a:schemeClr val="tx1">
+                  <a:lumMod val="85000"/>
+                  <a:lumOff val="15000"/>
+                </a:schemeClr>
+              </a:solidFill>
               <a:latin typeface="Times New Roman" panose="02020603050405020304" pitchFamily="18" charset="0"/>
               <a:cs typeface="Times New Roman" panose="02020603050405020304" pitchFamily="18" charset="0"/>
             </a:endParaRPr>
@@ -10513,11 +10847,192 @@
         </p:blipFill>
         <p:spPr>
           <a:xfrm>
-            <a:off x="2722179" y="1831953"/>
-            <a:ext cx="6747642" cy="4493929"/>
-          </a:xfrm>
+            <a:off x="633999" y="868847"/>
+            <a:ext cx="6912217" cy="4596624"/>
+          </a:xfrm>
+          <a:prstGeom prst="rect">
+            <a:avLst/>
+          </a:prstGeom>
         </p:spPr>
       </p:pic>
+      <p:cxnSp>
+        <p:nvCxnSpPr>
+          <p:cNvPr id="18" name="Straight Connector 17">
+            <a:extLst>
+              <a:ext uri="{FF2B5EF4-FFF2-40B4-BE49-F238E27FC236}">
+                <a16:creationId xmlns:a16="http://schemas.microsoft.com/office/drawing/2014/main" id="{5C6A2BAE-B461-4B55-8E1F-0722ABDD1393}"/>
+              </a:ext>
+              <a:ext uri="{C183D7F6-B498-43B3-948B-1728B52AA6E4}">
+                <adec:decorative xmlns:adec="http://schemas.microsoft.com/office/drawing/2017/decorative" val="1"/>
+              </a:ext>
+            </a:extLst>
+          </p:cNvPr>
+          <p:cNvCxnSpPr>
+            <a:cxnSpLocks noGrp="1" noRot="1" noChangeAspect="1" noMove="1" noResize="1" noEditPoints="1" noAdjustHandles="1" noChangeArrowheads="1" noChangeShapeType="1"/>
+          </p:cNvCxnSpPr>
+          <p:nvPr>
+            <p:extLst>
+              <p:ext uri="{386F3935-93C4-4BCD-93E2-E3B085C9AB24}">
+                <p16:designElem xmlns:p16="http://schemas.microsoft.com/office/powerpoint/2015/main" val="1"/>
+              </p:ext>
+            </p:extLst>
+          </p:nvPr>
+        </p:nvCxnSpPr>
+        <p:spPr>
+          <a:xfrm>
+            <a:off x="8209305" y="4343400"/>
+            <a:ext cx="3200400" cy="0"/>
+          </a:xfrm>
+          <a:prstGeom prst="line">
+            <a:avLst/>
+          </a:prstGeom>
+          <a:ln w="6350">
+            <a:solidFill>
+              <a:schemeClr val="tx2">
+                <a:alpha val="90000"/>
+              </a:schemeClr>
+            </a:solidFill>
+          </a:ln>
+        </p:spPr>
+        <p:style>
+          <a:lnRef idx="1">
+            <a:schemeClr val="accent1"/>
+          </a:lnRef>
+          <a:fillRef idx="0">
+            <a:schemeClr val="accent1"/>
+          </a:fillRef>
+          <a:effectRef idx="0">
+            <a:schemeClr val="accent1"/>
+          </a:effectRef>
+          <a:fontRef idx="minor">
+            <a:schemeClr val="tx1"/>
+          </a:fontRef>
+        </p:style>
+      </p:cxnSp>
+      <p:sp>
+        <p:nvSpPr>
+          <p:cNvPr id="20" name="Rectangle 19">
+            <a:extLst>
+              <a:ext uri="{FF2B5EF4-FFF2-40B4-BE49-F238E27FC236}">
+                <a16:creationId xmlns:a16="http://schemas.microsoft.com/office/drawing/2014/main" id="{B4C27B90-DF2B-4D00-BA07-18ED774CD2F1}"/>
+              </a:ext>
+              <a:ext uri="{C183D7F6-B498-43B3-948B-1728B52AA6E4}">
+                <adec:decorative xmlns:adec="http://schemas.microsoft.com/office/drawing/2017/decorative" val="1"/>
+              </a:ext>
+            </a:extLst>
+          </p:cNvPr>
+          <p:cNvSpPr>
+            <a:spLocks noGrp="1" noRot="1" noChangeAspect="1" noMove="1" noResize="1" noEditPoints="1" noAdjustHandles="1" noChangeArrowheads="1" noChangeShapeType="1" noTextEdit="1"/>
+          </p:cNvSpPr>
+          <p:nvPr>
+            <p:extLst>
+              <p:ext uri="{386F3935-93C4-4BCD-93E2-E3B085C9AB24}">
+                <p16:designElem xmlns:p16="http://schemas.microsoft.com/office/powerpoint/2015/main" val="1"/>
+              </p:ext>
+            </p:extLst>
+          </p:nvPr>
+        </p:nvSpPr>
+        <p:spPr>
+          <a:xfrm>
+            <a:off x="15" y="6334316"/>
+            <a:ext cx="12191985" cy="66484"/>
+          </a:xfrm>
+          <a:prstGeom prst="rect">
+            <a:avLst/>
+          </a:prstGeom>
+          <a:solidFill>
+            <a:schemeClr val="accent1"/>
+          </a:solidFill>
+          <a:ln>
+            <a:noFill/>
+          </a:ln>
+        </p:spPr>
+        <p:style>
+          <a:lnRef idx="2">
+            <a:schemeClr val="accent1">
+              <a:shade val="50000"/>
+            </a:schemeClr>
+          </a:lnRef>
+          <a:fillRef idx="1">
+            <a:schemeClr val="accent1"/>
+          </a:fillRef>
+          <a:effectRef idx="0">
+            <a:schemeClr val="accent1"/>
+          </a:effectRef>
+          <a:fontRef idx="minor">
+            <a:schemeClr val="lt1"/>
+          </a:fontRef>
+        </p:style>
+        <p:txBody>
+          <a:bodyPr/>
+          <a:lstStyle/>
+          <a:p>
+            <a:endParaRPr lang="sr-Latn-BA"/>
+          </a:p>
+        </p:txBody>
+      </p:sp>
+      <p:sp>
+        <p:nvSpPr>
+          <p:cNvPr id="22" name="Rectangle 21">
+            <a:extLst>
+              <a:ext uri="{FF2B5EF4-FFF2-40B4-BE49-F238E27FC236}">
+                <a16:creationId xmlns:a16="http://schemas.microsoft.com/office/drawing/2014/main" id="{593ACC25-C262-417A-8AA9-0641C772BDB6}"/>
+              </a:ext>
+              <a:ext uri="{C183D7F6-B498-43B3-948B-1728B52AA6E4}">
+                <adec:decorative xmlns:adec="http://schemas.microsoft.com/office/drawing/2017/decorative" val="1"/>
+              </a:ext>
+            </a:extLst>
+          </p:cNvPr>
+          <p:cNvSpPr>
+            <a:spLocks noGrp="1" noRot="1" noChangeAspect="1" noMove="1" noResize="1" noEditPoints="1" noAdjustHandles="1" noChangeArrowheads="1" noChangeShapeType="1" noTextEdit="1"/>
+          </p:cNvSpPr>
+          <p:nvPr>
+            <p:extLst>
+              <p:ext uri="{386F3935-93C4-4BCD-93E2-E3B085C9AB24}">
+                <p16:designElem xmlns:p16="http://schemas.microsoft.com/office/powerpoint/2015/main" val="1"/>
+              </p:ext>
+            </p:extLst>
+          </p:nvPr>
+        </p:nvSpPr>
+        <p:spPr>
+          <a:xfrm>
+            <a:off x="1" y="6400800"/>
+            <a:ext cx="12192000" cy="457200"/>
+          </a:xfrm>
+          <a:prstGeom prst="rect">
+            <a:avLst/>
+          </a:prstGeom>
+          <a:solidFill>
+            <a:schemeClr val="accent2"/>
+          </a:solidFill>
+          <a:ln>
+            <a:noFill/>
+          </a:ln>
+        </p:spPr>
+        <p:style>
+          <a:lnRef idx="2">
+            <a:schemeClr val="accent1">
+              <a:shade val="50000"/>
+            </a:schemeClr>
+          </a:lnRef>
+          <a:fillRef idx="1">
+            <a:schemeClr val="accent1"/>
+          </a:fillRef>
+          <a:effectRef idx="0">
+            <a:schemeClr val="accent1"/>
+          </a:effectRef>
+          <a:fontRef idx="minor">
+            <a:schemeClr val="lt1"/>
+          </a:fontRef>
+        </p:style>
+        <p:txBody>
+          <a:bodyPr/>
+          <a:lstStyle/>
+          <a:p>
+            <a:endParaRPr lang="sr-Latn-BA"/>
+          </a:p>
+        </p:txBody>
+      </p:sp>
     </p:spTree>
     <p:extLst>
       <p:ext uri="{BB962C8B-B14F-4D97-AF65-F5344CB8AC3E}">
@@ -13675,6 +14190,808 @@
         <p:spPr>
           <a:xfrm>
             <a:off x="1" y="6400800"/>
+            <a:ext cx="12192000" cy="457200"/>
+          </a:xfrm>
+          <a:prstGeom prst="rect">
+            <a:avLst/>
+          </a:prstGeom>
+          <a:solidFill>
+            <a:schemeClr val="accent2"/>
+          </a:solidFill>
+          <a:ln>
+            <a:noFill/>
+          </a:ln>
+        </p:spPr>
+        <p:style>
+          <a:lnRef idx="2">
+            <a:schemeClr val="accent1">
+              <a:shade val="50000"/>
+            </a:schemeClr>
+          </a:lnRef>
+          <a:fillRef idx="1">
+            <a:schemeClr val="accent1"/>
+          </a:fillRef>
+          <a:effectRef idx="0">
+            <a:schemeClr val="accent1"/>
+          </a:effectRef>
+          <a:fontRef idx="minor">
+            <a:schemeClr val="lt1"/>
+          </a:fontRef>
+        </p:style>
+        <p:txBody>
+          <a:bodyPr/>
+          <a:lstStyle/>
+          <a:p>
+            <a:endParaRPr lang="sr-Latn-BA"/>
+          </a:p>
+        </p:txBody>
+      </p:sp>
+      <p:sp>
+        <p:nvSpPr>
+          <p:cNvPr id="4" name="Rectangle 3">
+            <a:extLst>
+              <a:ext uri="{FF2B5EF4-FFF2-40B4-BE49-F238E27FC236}">
+                <a16:creationId xmlns:a16="http://schemas.microsoft.com/office/drawing/2014/main" id="{8B15C017-68A9-B46C-2226-F8C9450B839F}"/>
+              </a:ext>
+              <a:ext uri="{C183D7F6-B498-43B3-948B-1728B52AA6E4}">
+                <adec:decorative xmlns:adec="http://schemas.microsoft.com/office/drawing/2017/decorative" val="1"/>
+              </a:ext>
+            </a:extLst>
+          </p:cNvPr>
+          <p:cNvSpPr/>
+          <p:nvPr>
+            <p:extLst>
+              <p:ext uri="{386F3935-93C4-4BCD-93E2-E3B085C9AB24}">
+                <p16:designElem xmlns:p16="http://schemas.microsoft.com/office/powerpoint/2015/main" val="1"/>
+              </p:ext>
+            </p:extLst>
+          </p:nvPr>
+        </p:nvSpPr>
+        <p:spPr>
+          <a:xfrm>
+            <a:off x="152401" y="6553200"/>
+            <a:ext cx="12192000" cy="457200"/>
+          </a:xfrm>
+          <a:prstGeom prst="rect">
+            <a:avLst/>
+          </a:prstGeom>
+          <a:solidFill>
+            <a:schemeClr val="accent2"/>
+          </a:solidFill>
+          <a:ln>
+            <a:noFill/>
+          </a:ln>
+        </p:spPr>
+        <p:style>
+          <a:lnRef idx="2">
+            <a:schemeClr val="accent1">
+              <a:shade val="50000"/>
+            </a:schemeClr>
+          </a:lnRef>
+          <a:fillRef idx="1">
+            <a:schemeClr val="accent1"/>
+          </a:fillRef>
+          <a:effectRef idx="0">
+            <a:schemeClr val="accent1"/>
+          </a:effectRef>
+          <a:fontRef idx="minor">
+            <a:schemeClr val="lt1"/>
+          </a:fontRef>
+        </p:style>
+        <p:txBody>
+          <a:bodyPr/>
+          <a:lstStyle/>
+          <a:p>
+            <a:endParaRPr lang="sr-Latn-BA"/>
+          </a:p>
+        </p:txBody>
+      </p:sp>
+      <p:sp>
+        <p:nvSpPr>
+          <p:cNvPr id="5" name="Rectangle 4">
+            <a:extLst>
+              <a:ext uri="{FF2B5EF4-FFF2-40B4-BE49-F238E27FC236}">
+                <a16:creationId xmlns:a16="http://schemas.microsoft.com/office/drawing/2014/main" id="{264893D5-B412-3EF0-F83B-4911CECEC364}"/>
+              </a:ext>
+              <a:ext uri="{C183D7F6-B498-43B3-948B-1728B52AA6E4}">
+                <adec:decorative xmlns:adec="http://schemas.microsoft.com/office/drawing/2017/decorative" val="1"/>
+              </a:ext>
+            </a:extLst>
+          </p:cNvPr>
+          <p:cNvSpPr/>
+          <p:nvPr>
+            <p:extLst>
+              <p:ext uri="{386F3935-93C4-4BCD-93E2-E3B085C9AB24}">
+                <p16:designElem xmlns:p16="http://schemas.microsoft.com/office/powerpoint/2015/main" val="1"/>
+              </p:ext>
+            </p:extLst>
+          </p:nvPr>
+        </p:nvSpPr>
+        <p:spPr>
+          <a:xfrm>
+            <a:off x="152400" y="6486716"/>
+            <a:ext cx="12192001" cy="65998"/>
+          </a:xfrm>
+          <a:prstGeom prst="rect">
+            <a:avLst/>
+          </a:prstGeom>
+          <a:solidFill>
+            <a:schemeClr val="accent1"/>
+          </a:solidFill>
+          <a:ln>
+            <a:noFill/>
+          </a:ln>
+        </p:spPr>
+        <p:style>
+          <a:lnRef idx="2">
+            <a:schemeClr val="accent1">
+              <a:shade val="50000"/>
+            </a:schemeClr>
+          </a:lnRef>
+          <a:fillRef idx="1">
+            <a:schemeClr val="accent1"/>
+          </a:fillRef>
+          <a:effectRef idx="0">
+            <a:schemeClr val="accent1"/>
+          </a:effectRef>
+          <a:fontRef idx="minor">
+            <a:schemeClr val="lt1"/>
+          </a:fontRef>
+        </p:style>
+        <p:txBody>
+          <a:bodyPr/>
+          <a:lstStyle/>
+          <a:p>
+            <a:endParaRPr lang="sr-Latn-BA"/>
+          </a:p>
+        </p:txBody>
+      </p:sp>
+      <p:cxnSp>
+        <p:nvCxnSpPr>
+          <p:cNvPr id="7" name="Straight Connector 6">
+            <a:extLst>
+              <a:ext uri="{FF2B5EF4-FFF2-40B4-BE49-F238E27FC236}">
+                <a16:creationId xmlns:a16="http://schemas.microsoft.com/office/drawing/2014/main" id="{0C02937D-B1E3-6C6E-52DA-273EC9D69893}"/>
+              </a:ext>
+              <a:ext uri="{C183D7F6-B498-43B3-948B-1728B52AA6E4}">
+                <adec:decorative xmlns:adec="http://schemas.microsoft.com/office/drawing/2017/decorative" val="1"/>
+              </a:ext>
+            </a:extLst>
+          </p:cNvPr>
+          <p:cNvCxnSpPr/>
+          <p:nvPr>
+            <p:extLst>
+              <p:ext uri="{386F3935-93C4-4BCD-93E2-E3B085C9AB24}">
+                <p16:designElem xmlns:p16="http://schemas.microsoft.com/office/powerpoint/2015/main" val="1"/>
+              </p:ext>
+            </p:extLst>
+          </p:nvPr>
+        </p:nvCxnSpPr>
+        <p:spPr>
+          <a:xfrm>
+            <a:off x="1345932" y="1890245"/>
+            <a:ext cx="9966960" cy="0"/>
+          </a:xfrm>
+          <a:prstGeom prst="line">
+            <a:avLst/>
+          </a:prstGeom>
+          <a:ln w="6350">
+            <a:solidFill>
+              <a:schemeClr val="tx1">
+                <a:lumMod val="50000"/>
+                <a:lumOff val="50000"/>
+              </a:schemeClr>
+            </a:solidFill>
+          </a:ln>
+        </p:spPr>
+        <p:style>
+          <a:lnRef idx="1">
+            <a:schemeClr val="accent1"/>
+          </a:lnRef>
+          <a:fillRef idx="0">
+            <a:schemeClr val="accent1"/>
+          </a:fillRef>
+          <a:effectRef idx="0">
+            <a:schemeClr val="accent1"/>
+          </a:effectRef>
+          <a:fontRef idx="minor">
+            <a:schemeClr val="tx1"/>
+          </a:fontRef>
+        </p:style>
+      </p:cxnSp>
+      <p:sp useBgFill="1">
+        <p:nvSpPr>
+          <p:cNvPr id="8" name="Rectangle 7">
+            <a:extLst>
+              <a:ext uri="{FF2B5EF4-FFF2-40B4-BE49-F238E27FC236}">
+                <a16:creationId xmlns:a16="http://schemas.microsoft.com/office/drawing/2014/main" id="{A4C459C7-F06D-517C-A8E5-80240BA49176}"/>
+              </a:ext>
+              <a:ext uri="{C183D7F6-B498-43B3-948B-1728B52AA6E4}">
+                <adec:decorative xmlns:adec="http://schemas.microsoft.com/office/drawing/2017/decorative" val="1"/>
+              </a:ext>
+            </a:extLst>
+          </p:cNvPr>
+          <p:cNvSpPr/>
+          <p:nvPr>
+            <p:extLst>
+              <p:ext uri="{386F3935-93C4-4BCD-93E2-E3B085C9AB24}">
+                <p16:designElem xmlns:p16="http://schemas.microsoft.com/office/powerpoint/2015/main" val="1"/>
+              </p:ext>
+            </p:extLst>
+          </p:nvPr>
+        </p:nvSpPr>
+        <p:spPr>
+          <a:xfrm>
+            <a:off x="152400" y="152400"/>
+            <a:ext cx="12192001" cy="6334316"/>
+          </a:xfrm>
+          <a:prstGeom prst="rect">
+            <a:avLst/>
+          </a:prstGeom>
+          <a:ln>
+            <a:noFill/>
+          </a:ln>
+        </p:spPr>
+        <p:style>
+          <a:lnRef idx="2">
+            <a:schemeClr val="accent1">
+              <a:shade val="50000"/>
+            </a:schemeClr>
+          </a:lnRef>
+          <a:fillRef idx="1">
+            <a:schemeClr val="accent1"/>
+          </a:fillRef>
+          <a:effectRef idx="0">
+            <a:schemeClr val="accent1"/>
+          </a:effectRef>
+          <a:fontRef idx="minor">
+            <a:schemeClr val="lt1"/>
+          </a:fontRef>
+        </p:style>
+        <p:txBody>
+          <a:bodyPr rtlCol="0" anchor="ctr"/>
+          <a:lstStyle/>
+          <a:p>
+            <a:pPr algn="ctr"/>
+            <a:endParaRPr lang="en-US"/>
+          </a:p>
+        </p:txBody>
+      </p:sp>
+      <p:sp>
+        <p:nvSpPr>
+          <p:cNvPr id="9" name="Title 1">
+            <a:extLst>
+              <a:ext uri="{FF2B5EF4-FFF2-40B4-BE49-F238E27FC236}">
+                <a16:creationId xmlns:a16="http://schemas.microsoft.com/office/drawing/2014/main" id="{4FF2EB52-6EBA-6850-A3EF-D77E7C569C47}"/>
+              </a:ext>
+            </a:extLst>
+          </p:cNvPr>
+          <p:cNvSpPr txBox="1">
+            <a:spLocks/>
+          </p:cNvSpPr>
+          <p:nvPr/>
+        </p:nvSpPr>
+        <p:spPr>
+          <a:xfrm>
+            <a:off x="8011885" y="787346"/>
+            <a:ext cx="3690257" cy="1450757"/>
+          </a:xfrm>
+          <a:prstGeom prst="rect">
+            <a:avLst/>
+          </a:prstGeom>
+        </p:spPr>
+        <p:txBody>
+          <a:bodyPr vert="horz" lIns="91440" tIns="45720" rIns="91440" bIns="45720" rtlCol="0" anchor="b">
+            <a:normAutofit/>
+          </a:bodyPr>
+          <a:lstStyle>
+            <a:lvl1pPr algn="l" defTabSz="914400" rtl="0" eaLnBrk="1" latinLnBrk="0" hangingPunct="1">
+              <a:lnSpc>
+                <a:spcPct val="85000"/>
+              </a:lnSpc>
+              <a:spcBef>
+                <a:spcPct val="0"/>
+              </a:spcBef>
+              <a:buNone/>
+              <a:defRPr sz="4800" kern="1200" spc="-50" baseline="0">
+                <a:solidFill>
+                  <a:schemeClr val="tx1">
+                    <a:lumMod val="75000"/>
+                    <a:lumOff val="25000"/>
+                  </a:schemeClr>
+                </a:solidFill>
+                <a:latin typeface="+mj-lt"/>
+                <a:ea typeface="+mj-ea"/>
+                <a:cs typeface="+mj-cs"/>
+              </a:defRPr>
+            </a:lvl1pPr>
+          </a:lstStyle>
+          <a:p>
+            <a:r>
+              <a:rPr lang="en-US">
+                <a:latin typeface="Times New Roman" panose="02020603050405020304" pitchFamily="18" charset="0"/>
+                <a:cs typeface="Times New Roman" panose="02020603050405020304" pitchFamily="18" charset="0"/>
+              </a:rPr>
+              <a:t>Дефинисање проблема</a:t>
+            </a:r>
+            <a:endParaRPr lang="en-US" dirty="0">
+              <a:latin typeface="Times New Roman" panose="02020603050405020304" pitchFamily="18" charset="0"/>
+              <a:cs typeface="Times New Roman" panose="02020603050405020304" pitchFamily="18" charset="0"/>
+            </a:endParaRPr>
+          </a:p>
+        </p:txBody>
+      </p:sp>
+      <p:pic>
+        <p:nvPicPr>
+          <p:cNvPr id="10" name="Content Placeholder 5" descr="A chalk drawing of light bulbs&#10;&#10;Description automatically generated">
+            <a:extLst>
+              <a:ext uri="{FF2B5EF4-FFF2-40B4-BE49-F238E27FC236}">
+                <a16:creationId xmlns:a16="http://schemas.microsoft.com/office/drawing/2014/main" id="{E7F30B51-DFB1-FA23-6189-C54CF28D7537}"/>
+              </a:ext>
+            </a:extLst>
+          </p:cNvPr>
+          <p:cNvPicPr>
+            <a:picLocks noChangeAspect="1"/>
+          </p:cNvPicPr>
+          <p:nvPr/>
+        </p:nvPicPr>
+        <p:blipFill>
+          <a:blip r:embed="rId3">
+            <a:extLst>
+              <a:ext uri="{28A0092B-C50C-407E-A947-70E740481C1C}">
+                <a14:useLocalDpi xmlns:a14="http://schemas.microsoft.com/office/drawing/2010/main" val="0"/>
+              </a:ext>
+            </a:extLst>
+          </a:blip>
+          <a:stretch>
+            <a:fillRect/>
+          </a:stretch>
+        </p:blipFill>
+        <p:spPr>
+          <a:xfrm>
+            <a:off x="786399" y="1592675"/>
+            <a:ext cx="6909801" cy="3714018"/>
+          </a:xfrm>
+          <a:prstGeom prst="rect">
+            <a:avLst/>
+          </a:prstGeom>
+        </p:spPr>
+      </p:pic>
+      <p:cxnSp>
+        <p:nvCxnSpPr>
+          <p:cNvPr id="12" name="Straight Connector 11">
+            <a:extLst>
+              <a:ext uri="{FF2B5EF4-FFF2-40B4-BE49-F238E27FC236}">
+                <a16:creationId xmlns:a16="http://schemas.microsoft.com/office/drawing/2014/main" id="{9DE53DEB-2142-4730-8856-B461850F7BA6}"/>
+              </a:ext>
+              <a:ext uri="{C183D7F6-B498-43B3-948B-1728B52AA6E4}">
+                <adec:decorative xmlns:adec="http://schemas.microsoft.com/office/drawing/2017/decorative" val="1"/>
+              </a:ext>
+            </a:extLst>
+          </p:cNvPr>
+          <p:cNvCxnSpPr/>
+          <p:nvPr>
+            <p:extLst>
+              <p:ext uri="{386F3935-93C4-4BCD-93E2-E3B085C9AB24}">
+                <p16:designElem xmlns:p16="http://schemas.microsoft.com/office/powerpoint/2015/main" val="1"/>
+              </p:ext>
+            </p:extLst>
+          </p:nvPr>
+        </p:nvCxnSpPr>
+        <p:spPr>
+          <a:xfrm>
+            <a:off x="8044543" y="2238103"/>
+            <a:ext cx="3566160" cy="0"/>
+          </a:xfrm>
+          <a:prstGeom prst="line">
+            <a:avLst/>
+          </a:prstGeom>
+          <a:ln w="6350">
+            <a:solidFill>
+              <a:schemeClr val="tx1">
+                <a:lumMod val="50000"/>
+                <a:lumOff val="50000"/>
+                <a:alpha val="90000"/>
+              </a:schemeClr>
+            </a:solidFill>
+          </a:ln>
+        </p:spPr>
+        <p:style>
+          <a:lnRef idx="1">
+            <a:schemeClr val="accent1"/>
+          </a:lnRef>
+          <a:fillRef idx="0">
+            <a:schemeClr val="accent1"/>
+          </a:fillRef>
+          <a:effectRef idx="0">
+            <a:schemeClr val="accent1"/>
+          </a:effectRef>
+          <a:fontRef idx="minor">
+            <a:schemeClr val="tx1"/>
+          </a:fontRef>
+        </p:style>
+      </p:cxnSp>
+      <p:sp>
+        <p:nvSpPr>
+          <p:cNvPr id="14" name="Content Placeholder 2">
+            <a:extLst>
+              <a:ext uri="{FF2B5EF4-FFF2-40B4-BE49-F238E27FC236}">
+                <a16:creationId xmlns:a16="http://schemas.microsoft.com/office/drawing/2014/main" id="{FD1BA7E5-0845-3EAA-DCBC-5811DB9551B1}"/>
+              </a:ext>
+            </a:extLst>
+          </p:cNvPr>
+          <p:cNvSpPr txBox="1">
+            <a:spLocks/>
+          </p:cNvSpPr>
+          <p:nvPr/>
+        </p:nvSpPr>
+        <p:spPr>
+          <a:xfrm>
+            <a:off x="8011885" y="2351314"/>
+            <a:ext cx="3690257" cy="3670180"/>
+          </a:xfrm>
+          <a:prstGeom prst="rect">
+            <a:avLst/>
+          </a:prstGeom>
+        </p:spPr>
+        <p:txBody>
+          <a:bodyPr vert="horz" lIns="0" tIns="45720" rIns="0" bIns="45720" rtlCol="0">
+            <a:normAutofit/>
+          </a:bodyPr>
+          <a:lstStyle>
+            <a:lvl1pPr marL="91440" indent="-91440" algn="l" defTabSz="914400" rtl="0" eaLnBrk="1" latinLnBrk="0" hangingPunct="1">
+              <a:lnSpc>
+                <a:spcPct val="90000"/>
+              </a:lnSpc>
+              <a:spcBef>
+                <a:spcPts val="1200"/>
+              </a:spcBef>
+              <a:spcAft>
+                <a:spcPts val="200"/>
+              </a:spcAft>
+              <a:buClr>
+                <a:schemeClr val="accent1"/>
+              </a:buClr>
+              <a:buSzPct val="100000"/>
+              <a:buFont typeface="Calibri" panose="020F0502020204030204" pitchFamily="34" charset="0"/>
+              <a:buChar char=" "/>
+              <a:defRPr sz="2000" kern="1200">
+                <a:solidFill>
+                  <a:schemeClr val="tx1">
+                    <a:lumMod val="75000"/>
+                    <a:lumOff val="25000"/>
+                  </a:schemeClr>
+                </a:solidFill>
+                <a:latin typeface="+mn-lt"/>
+                <a:ea typeface="+mn-ea"/>
+                <a:cs typeface="+mn-cs"/>
+              </a:defRPr>
+            </a:lvl1pPr>
+            <a:lvl2pPr marL="384048" indent="-182880" algn="l" defTabSz="914400" rtl="0" eaLnBrk="1" latinLnBrk="0" hangingPunct="1">
+              <a:lnSpc>
+                <a:spcPct val="90000"/>
+              </a:lnSpc>
+              <a:spcBef>
+                <a:spcPts val="200"/>
+              </a:spcBef>
+              <a:spcAft>
+                <a:spcPts val="400"/>
+              </a:spcAft>
+              <a:buClr>
+                <a:schemeClr val="accent1"/>
+              </a:buClr>
+              <a:buFont typeface="Calibri" pitchFamily="34" charset="0"/>
+              <a:buChar char="◦"/>
+              <a:defRPr sz="1800" kern="1200">
+                <a:solidFill>
+                  <a:schemeClr val="tx1">
+                    <a:lumMod val="75000"/>
+                    <a:lumOff val="25000"/>
+                  </a:schemeClr>
+                </a:solidFill>
+                <a:latin typeface="+mn-lt"/>
+                <a:ea typeface="+mn-ea"/>
+                <a:cs typeface="+mn-cs"/>
+              </a:defRPr>
+            </a:lvl2pPr>
+            <a:lvl3pPr marL="566928" indent="-182880" algn="l" defTabSz="914400" rtl="0" eaLnBrk="1" latinLnBrk="0" hangingPunct="1">
+              <a:lnSpc>
+                <a:spcPct val="90000"/>
+              </a:lnSpc>
+              <a:spcBef>
+                <a:spcPts val="200"/>
+              </a:spcBef>
+              <a:spcAft>
+                <a:spcPts val="400"/>
+              </a:spcAft>
+              <a:buClr>
+                <a:schemeClr val="accent1"/>
+              </a:buClr>
+              <a:buFont typeface="Calibri" pitchFamily="34" charset="0"/>
+              <a:buChar char="◦"/>
+              <a:defRPr sz="1400" kern="1200">
+                <a:solidFill>
+                  <a:schemeClr val="tx1">
+                    <a:lumMod val="75000"/>
+                    <a:lumOff val="25000"/>
+                  </a:schemeClr>
+                </a:solidFill>
+                <a:latin typeface="+mn-lt"/>
+                <a:ea typeface="+mn-ea"/>
+                <a:cs typeface="+mn-cs"/>
+              </a:defRPr>
+            </a:lvl3pPr>
+            <a:lvl4pPr marL="749808" indent="-182880" algn="l" defTabSz="914400" rtl="0" eaLnBrk="1" latinLnBrk="0" hangingPunct="1">
+              <a:lnSpc>
+                <a:spcPct val="90000"/>
+              </a:lnSpc>
+              <a:spcBef>
+                <a:spcPts val="200"/>
+              </a:spcBef>
+              <a:spcAft>
+                <a:spcPts val="400"/>
+              </a:spcAft>
+              <a:buClr>
+                <a:schemeClr val="accent1"/>
+              </a:buClr>
+              <a:buFont typeface="Calibri" pitchFamily="34" charset="0"/>
+              <a:buChar char="◦"/>
+              <a:defRPr sz="1400" kern="1200">
+                <a:solidFill>
+                  <a:schemeClr val="tx1">
+                    <a:lumMod val="75000"/>
+                    <a:lumOff val="25000"/>
+                  </a:schemeClr>
+                </a:solidFill>
+                <a:latin typeface="+mn-lt"/>
+                <a:ea typeface="+mn-ea"/>
+                <a:cs typeface="+mn-cs"/>
+              </a:defRPr>
+            </a:lvl4pPr>
+            <a:lvl5pPr marL="932688" indent="-182880" algn="l" defTabSz="914400" rtl="0" eaLnBrk="1" latinLnBrk="0" hangingPunct="1">
+              <a:lnSpc>
+                <a:spcPct val="90000"/>
+              </a:lnSpc>
+              <a:spcBef>
+                <a:spcPts val="200"/>
+              </a:spcBef>
+              <a:spcAft>
+                <a:spcPts val="400"/>
+              </a:spcAft>
+              <a:buClr>
+                <a:schemeClr val="accent1"/>
+              </a:buClr>
+              <a:buFont typeface="Calibri" pitchFamily="34" charset="0"/>
+              <a:buChar char="◦"/>
+              <a:defRPr sz="1400" kern="1200">
+                <a:solidFill>
+                  <a:schemeClr val="tx1">
+                    <a:lumMod val="75000"/>
+                    <a:lumOff val="25000"/>
+                  </a:schemeClr>
+                </a:solidFill>
+                <a:latin typeface="+mn-lt"/>
+                <a:ea typeface="+mn-ea"/>
+                <a:cs typeface="+mn-cs"/>
+              </a:defRPr>
+            </a:lvl5pPr>
+            <a:lvl6pPr marL="1100000" indent="-228600" algn="l" defTabSz="914400" rtl="0" eaLnBrk="1" latinLnBrk="0" hangingPunct="1">
+              <a:lnSpc>
+                <a:spcPct val="90000"/>
+              </a:lnSpc>
+              <a:spcBef>
+                <a:spcPts val="200"/>
+              </a:spcBef>
+              <a:spcAft>
+                <a:spcPts val="400"/>
+              </a:spcAft>
+              <a:buClr>
+                <a:schemeClr val="accent1"/>
+              </a:buClr>
+              <a:buFont typeface="Calibri" pitchFamily="34" charset="0"/>
+              <a:buChar char="◦"/>
+              <a:defRPr sz="1400" kern="1200">
+                <a:solidFill>
+                  <a:schemeClr val="tx1">
+                    <a:lumMod val="75000"/>
+                    <a:lumOff val="25000"/>
+                  </a:schemeClr>
+                </a:solidFill>
+                <a:latin typeface="+mn-lt"/>
+                <a:ea typeface="+mn-ea"/>
+                <a:cs typeface="+mn-cs"/>
+              </a:defRPr>
+            </a:lvl6pPr>
+            <a:lvl7pPr marL="1300000" indent="-228600" algn="l" defTabSz="914400" rtl="0" eaLnBrk="1" latinLnBrk="0" hangingPunct="1">
+              <a:lnSpc>
+                <a:spcPct val="90000"/>
+              </a:lnSpc>
+              <a:spcBef>
+                <a:spcPts val="200"/>
+              </a:spcBef>
+              <a:spcAft>
+                <a:spcPts val="400"/>
+              </a:spcAft>
+              <a:buClr>
+                <a:schemeClr val="accent1"/>
+              </a:buClr>
+              <a:buFont typeface="Calibri" pitchFamily="34" charset="0"/>
+              <a:buChar char="◦"/>
+              <a:defRPr sz="1400" kern="1200">
+                <a:solidFill>
+                  <a:schemeClr val="tx1">
+                    <a:lumMod val="75000"/>
+                    <a:lumOff val="25000"/>
+                  </a:schemeClr>
+                </a:solidFill>
+                <a:latin typeface="+mn-lt"/>
+                <a:ea typeface="+mn-ea"/>
+                <a:cs typeface="+mn-cs"/>
+              </a:defRPr>
+            </a:lvl7pPr>
+            <a:lvl8pPr marL="1500000" indent="-228600" algn="l" defTabSz="914400" rtl="0" eaLnBrk="1" latinLnBrk="0" hangingPunct="1">
+              <a:lnSpc>
+                <a:spcPct val="90000"/>
+              </a:lnSpc>
+              <a:spcBef>
+                <a:spcPts val="200"/>
+              </a:spcBef>
+              <a:spcAft>
+                <a:spcPts val="400"/>
+              </a:spcAft>
+              <a:buClr>
+                <a:schemeClr val="accent1"/>
+              </a:buClr>
+              <a:buFont typeface="Calibri" pitchFamily="34" charset="0"/>
+              <a:buChar char="◦"/>
+              <a:defRPr sz="1400" kern="1200">
+                <a:solidFill>
+                  <a:schemeClr val="tx1">
+                    <a:lumMod val="75000"/>
+                    <a:lumOff val="25000"/>
+                  </a:schemeClr>
+                </a:solidFill>
+                <a:latin typeface="+mn-lt"/>
+                <a:ea typeface="+mn-ea"/>
+                <a:cs typeface="+mn-cs"/>
+              </a:defRPr>
+            </a:lvl8pPr>
+            <a:lvl9pPr marL="1700000" indent="-228600" algn="l" defTabSz="914400" rtl="0" eaLnBrk="1" latinLnBrk="0" hangingPunct="1">
+              <a:lnSpc>
+                <a:spcPct val="90000"/>
+              </a:lnSpc>
+              <a:spcBef>
+                <a:spcPts val="200"/>
+              </a:spcBef>
+              <a:spcAft>
+                <a:spcPts val="400"/>
+              </a:spcAft>
+              <a:buClr>
+                <a:schemeClr val="accent1"/>
+              </a:buClr>
+              <a:buFont typeface="Calibri" pitchFamily="34" charset="0"/>
+              <a:buChar char="◦"/>
+              <a:defRPr sz="1400" kern="1200">
+                <a:solidFill>
+                  <a:schemeClr val="tx1">
+                    <a:lumMod val="75000"/>
+                    <a:lumOff val="25000"/>
+                  </a:schemeClr>
+                </a:solidFill>
+                <a:latin typeface="+mn-lt"/>
+                <a:ea typeface="+mn-ea"/>
+                <a:cs typeface="+mn-cs"/>
+              </a:defRPr>
+            </a:lvl9pPr>
+          </a:lstStyle>
+          <a:p>
+            <a:r>
+              <a:rPr lang="en-US" sz="2400">
+                <a:latin typeface="Times New Roman" panose="02020603050405020304" pitchFamily="18" charset="0"/>
+                <a:cs typeface="Times New Roman" panose="02020603050405020304" pitchFamily="18" charset="0"/>
+              </a:rPr>
+              <a:t>Прецизно дефинисан проблем</a:t>
+            </a:r>
+          </a:p>
+          <a:p>
+            <a:r>
+              <a:rPr lang="en-US" sz="2400">
+                <a:latin typeface="Times New Roman" panose="02020603050405020304" pitchFamily="18" charset="0"/>
+                <a:cs typeface="Times New Roman" panose="02020603050405020304" pitchFamily="18" charset="0"/>
+              </a:rPr>
+              <a:t>Прецизно дефинисан циљ</a:t>
+            </a:r>
+            <a:endParaRPr lang="en-US" sz="2400" dirty="0">
+              <a:latin typeface="Times New Roman" panose="02020603050405020304" pitchFamily="18" charset="0"/>
+              <a:cs typeface="Times New Roman" panose="02020603050405020304" pitchFamily="18" charset="0"/>
+            </a:endParaRPr>
+          </a:p>
+        </p:txBody>
+      </p:sp>
+      <p:sp>
+        <p:nvSpPr>
+          <p:cNvPr id="16" name="Rectangle 15">
+            <a:extLst>
+              <a:ext uri="{FF2B5EF4-FFF2-40B4-BE49-F238E27FC236}">
+                <a16:creationId xmlns:a16="http://schemas.microsoft.com/office/drawing/2014/main" id="{E632D50C-2110-C56A-981B-8C0E1E252073}"/>
+              </a:ext>
+              <a:ext uri="{C183D7F6-B498-43B3-948B-1728B52AA6E4}">
+                <adec:decorative xmlns:adec="http://schemas.microsoft.com/office/drawing/2017/decorative" val="1"/>
+              </a:ext>
+            </a:extLst>
+          </p:cNvPr>
+          <p:cNvSpPr/>
+          <p:nvPr>
+            <p:extLst>
+              <p:ext uri="{386F3935-93C4-4BCD-93E2-E3B085C9AB24}">
+                <p16:designElem xmlns:p16="http://schemas.microsoft.com/office/powerpoint/2015/main" val="1"/>
+              </p:ext>
+            </p:extLst>
+          </p:nvPr>
+        </p:nvSpPr>
+        <p:spPr>
+          <a:xfrm>
+            <a:off x="152415" y="6486716"/>
+            <a:ext cx="12191985" cy="66484"/>
+          </a:xfrm>
+          <a:prstGeom prst="rect">
+            <a:avLst/>
+          </a:prstGeom>
+          <a:solidFill>
+            <a:schemeClr val="accent1"/>
+          </a:solidFill>
+          <a:ln>
+            <a:noFill/>
+          </a:ln>
+        </p:spPr>
+        <p:style>
+          <a:lnRef idx="2">
+            <a:schemeClr val="accent1">
+              <a:shade val="50000"/>
+            </a:schemeClr>
+          </a:lnRef>
+          <a:fillRef idx="1">
+            <a:schemeClr val="accent1"/>
+          </a:fillRef>
+          <a:effectRef idx="0">
+            <a:schemeClr val="accent1"/>
+          </a:effectRef>
+          <a:fontRef idx="minor">
+            <a:schemeClr val="lt1"/>
+          </a:fontRef>
+        </p:style>
+        <p:txBody>
+          <a:bodyPr/>
+          <a:lstStyle/>
+          <a:p>
+            <a:endParaRPr lang="sr-Latn-BA"/>
+          </a:p>
+        </p:txBody>
+      </p:sp>
+      <p:sp>
+        <p:nvSpPr>
+          <p:cNvPr id="18" name="Rectangle 17">
+            <a:extLst>
+              <a:ext uri="{FF2B5EF4-FFF2-40B4-BE49-F238E27FC236}">
+                <a16:creationId xmlns:a16="http://schemas.microsoft.com/office/drawing/2014/main" id="{DED50D9E-0841-8B7C-852A-783F663AC52A}"/>
+              </a:ext>
+              <a:ext uri="{C183D7F6-B498-43B3-948B-1728B52AA6E4}">
+                <adec:decorative xmlns:adec="http://schemas.microsoft.com/office/drawing/2017/decorative" val="1"/>
+              </a:ext>
+            </a:extLst>
+          </p:cNvPr>
+          <p:cNvSpPr/>
+          <p:nvPr>
+            <p:extLst>
+              <p:ext uri="{386F3935-93C4-4BCD-93E2-E3B085C9AB24}">
+                <p16:designElem xmlns:p16="http://schemas.microsoft.com/office/powerpoint/2015/main" val="1"/>
+              </p:ext>
+            </p:extLst>
+          </p:nvPr>
+        </p:nvSpPr>
+        <p:spPr>
+          <a:xfrm>
+            <a:off x="152401" y="6553200"/>
             <a:ext cx="12192000" cy="457200"/>
           </a:xfrm>
           <a:prstGeom prst="rect">

--- a/Presentation/Razvoj rješenja za predviđanje broja osoba u prostoriji.pptx
+++ b/Presentation/Razvoj rješenja za predviđanje broja osoba u prostoriji.pptx
@@ -11,7 +11,7 @@
     <p:sldId id="258" r:id="rId2"/>
     <p:sldId id="269" r:id="rId3"/>
     <p:sldId id="272" r:id="rId4"/>
-    <p:sldId id="285" r:id="rId5"/>
+    <p:sldId id="287" r:id="rId5"/>
     <p:sldId id="274" r:id="rId6"/>
     <p:sldId id="275" r:id="rId7"/>
     <p:sldId id="276" r:id="rId8"/>
@@ -1755,7 +1755,7 @@
     </p:spTree>
     <p:extLst>
       <p:ext uri="{BB962C8B-B14F-4D97-AF65-F5344CB8AC3E}">
-        <p14:creationId xmlns:p14="http://schemas.microsoft.com/office/powerpoint/2010/main" val="3061615922"/>
+        <p14:creationId xmlns:p14="http://schemas.microsoft.com/office/powerpoint/2010/main" val="4072671021"/>
       </p:ext>
     </p:extLst>
   </p:cSld>
@@ -6164,109 +6164,7 @@
         <p:spPr>
           <a:xfrm>
             <a:off x="1066800" y="44335"/>
-            <a:ext cx="10058400" cy="2509395"/>
-          </a:xfrm>
-          <a:prstGeom prst="rect">
-            <a:avLst/>
-          </a:prstGeom>
-        </p:spPr>
-        <p:txBody>
-          <a:bodyPr vert="horz" lIns="91440" tIns="45720" rIns="91440" bIns="45720" rtlCol="0" anchor="b">
-            <a:normAutofit lnSpcReduction="10000"/>
-          </a:bodyPr>
-          <a:lstStyle>
-            <a:lvl1pPr marL="0" algn="l" defTabSz="914400" rtl="0" eaLnBrk="1" latinLnBrk="0" hangingPunct="1">
-              <a:lnSpc>
-                <a:spcPct val="85000"/>
-              </a:lnSpc>
-              <a:spcBef>
-                <a:spcPct val="0"/>
-              </a:spcBef>
-              <a:buNone/>
-              <a:defRPr sz="4800" kern="1200" spc="-50" baseline="0">
-                <a:solidFill>
-                  <a:schemeClr val="tx1">
-                    <a:lumMod val="75000"/>
-                    <a:lumOff val="25000"/>
-                  </a:schemeClr>
-                </a:solidFill>
-                <a:latin typeface="+mj-lt"/>
-                <a:ea typeface="+mj-ea"/>
-                <a:cs typeface="+mj-cs"/>
-              </a:defRPr>
-            </a:lvl1pPr>
-          </a:lstStyle>
-          <a:p>
-            <a:pPr algn="ctr"/>
-            <a:r>
-              <a:rPr lang="ru-RU" sz="3200" b="1" dirty="0">
-                <a:latin typeface="Times New Roman" panose="02020603050405020304" pitchFamily="18" charset="0"/>
-                <a:cs typeface="Times New Roman" panose="02020603050405020304" pitchFamily="18" charset="0"/>
-              </a:rPr>
-              <a:t>УНИВЕРЗИТЕТ У БАЊОЈ ЛУЦИ</a:t>
-            </a:r>
-          </a:p>
-          <a:p>
-            <a:pPr algn="ctr"/>
-            <a:r>
-              <a:rPr lang="ru-RU" sz="3200" b="1" dirty="0">
-                <a:latin typeface="Times New Roman" panose="02020603050405020304" pitchFamily="18" charset="0"/>
-                <a:cs typeface="Times New Roman" panose="02020603050405020304" pitchFamily="18" charset="0"/>
-              </a:rPr>
-              <a:t>ЕЛЕКТРОТЕХНИЧКИ ФАКУЛТЕТ</a:t>
-            </a:r>
-          </a:p>
-          <a:p>
-            <a:pPr algn="ctr"/>
-            <a:endParaRPr lang="sr-Cyrl-BA" sz="3200" b="1" dirty="0">
-              <a:latin typeface="Times New Roman" panose="02020603050405020304" pitchFamily="18" charset="0"/>
-              <a:cs typeface="Times New Roman" panose="02020603050405020304" pitchFamily="18" charset="0"/>
-            </a:endParaRPr>
-          </a:p>
-          <a:p>
-            <a:pPr algn="ctr"/>
-            <a:endParaRPr lang="sr-Cyrl-BA" sz="3200" b="1" dirty="0">
-              <a:latin typeface="Times New Roman" panose="02020603050405020304" pitchFamily="18" charset="0"/>
-              <a:cs typeface="Times New Roman" panose="02020603050405020304" pitchFamily="18" charset="0"/>
-            </a:endParaRPr>
-          </a:p>
-          <a:p>
-            <a:pPr algn="ctr"/>
-            <a:endParaRPr lang="sr-Cyrl-BA" sz="3200" b="1" dirty="0">
-              <a:latin typeface="Times New Roman" panose="02020603050405020304" pitchFamily="18" charset="0"/>
-              <a:cs typeface="Times New Roman" panose="02020603050405020304" pitchFamily="18" charset="0"/>
-            </a:endParaRPr>
-          </a:p>
-          <a:p>
-            <a:pPr algn="ctr"/>
-            <a:r>
-              <a:rPr lang="sr-Cyrl-BA" sz="3200" b="1" dirty="0">
-                <a:latin typeface="Times New Roman" panose="02020603050405020304" pitchFamily="18" charset="0"/>
-                <a:cs typeface="Times New Roman" panose="02020603050405020304" pitchFamily="18" charset="0"/>
-              </a:rPr>
-              <a:t>Никола Карпић</a:t>
-            </a:r>
-          </a:p>
-        </p:txBody>
-      </p:sp>
-      <p:sp>
-        <p:nvSpPr>
-          <p:cNvPr id="6" name="Title 1">
-            <a:extLst>
-              <a:ext uri="{FF2B5EF4-FFF2-40B4-BE49-F238E27FC236}">
-                <a16:creationId xmlns:a16="http://schemas.microsoft.com/office/drawing/2014/main" id="{38786D33-6002-232E-616C-4C51E28E2D38}"/>
-              </a:ext>
-            </a:extLst>
-          </p:cNvPr>
-          <p:cNvSpPr txBox="1">
-            <a:spLocks/>
-          </p:cNvSpPr>
-          <p:nvPr/>
-        </p:nvSpPr>
-        <p:spPr>
-          <a:xfrm>
-            <a:off x="4115212" y="5530962"/>
-            <a:ext cx="3961576" cy="635427"/>
+            <a:ext cx="10058400" cy="2684716"/>
           </a:xfrm>
           <a:prstGeom prst="rect">
             <a:avLst/>
@@ -6299,28 +6197,45 @@
             </a:lvl1pPr>
           </a:lstStyle>
           <a:p>
-            <a:r>
-              <a:rPr lang="sr-Cyrl-BA" sz="3200" b="1" dirty="0">
-                <a:latin typeface="Times New Roman" panose="02020603050405020304" pitchFamily="18" charset="0"/>
-                <a:cs typeface="Times New Roman" panose="02020603050405020304" pitchFamily="18" charset="0"/>
-              </a:rPr>
-              <a:t>Бања Лука</a:t>
-            </a:r>
-            <a:r>
-              <a:rPr lang="sr-Cyrl-BA" sz="3200" b="1">
-                <a:latin typeface="Times New Roman" panose="02020603050405020304" pitchFamily="18" charset="0"/>
-                <a:cs typeface="Times New Roman" panose="02020603050405020304" pitchFamily="18" charset="0"/>
-              </a:rPr>
-              <a:t>, јул </a:t>
-            </a:r>
-            <a:r>
-              <a:rPr lang="sr-Cyrl-BA" sz="3200" b="1" dirty="0">
-                <a:latin typeface="Times New Roman" panose="02020603050405020304" pitchFamily="18" charset="0"/>
-                <a:cs typeface="Times New Roman" panose="02020603050405020304" pitchFamily="18" charset="0"/>
-              </a:rPr>
-              <a:t>2024.</a:t>
-            </a:r>
-            <a:endParaRPr lang="sr-Latn-BA" sz="3200" dirty="0"/>
+            <a:pPr algn="ctr"/>
+            <a:r>
+              <a:rPr lang="ru-RU" sz="3200" b="1" dirty="0">
+                <a:latin typeface="Times New Roman" panose="02020603050405020304" pitchFamily="18" charset="0"/>
+                <a:cs typeface="Times New Roman" panose="02020603050405020304" pitchFamily="18" charset="0"/>
+              </a:rPr>
+              <a:t>УНИВЕРЗИТЕТ У БАЊОЈ ЛУЦИ</a:t>
+            </a:r>
+          </a:p>
+          <a:p>
+            <a:pPr algn="ctr"/>
+            <a:r>
+              <a:rPr lang="ru-RU" sz="3200" b="1" dirty="0">
+                <a:latin typeface="Times New Roman" panose="02020603050405020304" pitchFamily="18" charset="0"/>
+                <a:cs typeface="Times New Roman" panose="02020603050405020304" pitchFamily="18" charset="0"/>
+              </a:rPr>
+              <a:t>ЕЛЕКТРОТЕХНИЧКИ ФАКУЛТЕТ</a:t>
+            </a:r>
+            <a:endParaRPr lang="sr-Cyrl-BA" sz="3200" b="1" dirty="0">
+              <a:latin typeface="Times New Roman" panose="02020603050405020304" pitchFamily="18" charset="0"/>
+              <a:cs typeface="Times New Roman" panose="02020603050405020304" pitchFamily="18" charset="0"/>
+            </a:endParaRPr>
+          </a:p>
+          <a:p>
+            <a:pPr algn="ctr"/>
+            <a:endParaRPr lang="sr-Cyrl-BA" sz="5400" b="1" dirty="0">
+              <a:latin typeface="Times New Roman" panose="02020603050405020304" pitchFamily="18" charset="0"/>
+              <a:cs typeface="Times New Roman" panose="02020603050405020304" pitchFamily="18" charset="0"/>
+            </a:endParaRPr>
+          </a:p>
+          <a:p>
+            <a:pPr algn="ctr"/>
+            <a:r>
+              <a:rPr lang="sr-Cyrl-BA" b="1" dirty="0">
+                <a:latin typeface="Times New Roman" panose="02020603050405020304" pitchFamily="18" charset="0"/>
+                <a:cs typeface="Times New Roman" panose="02020603050405020304" pitchFamily="18" charset="0"/>
+              </a:rPr>
+              <a:t>Дипломски рад:</a:t>
+            </a:r>
           </a:p>
         </p:txBody>
       </p:sp>
@@ -6400,6 +6315,105 @@
           </a:fontRef>
         </p:style>
       </p:cxnSp>
+      <p:sp>
+        <p:nvSpPr>
+          <p:cNvPr id="3" name="Title 1">
+            <a:extLst>
+              <a:ext uri="{FF2B5EF4-FFF2-40B4-BE49-F238E27FC236}">
+                <a16:creationId xmlns:a16="http://schemas.microsoft.com/office/drawing/2014/main" id="{38786D33-6002-232E-616C-4C51E28E2D38}"/>
+              </a:ext>
+            </a:extLst>
+          </p:cNvPr>
+          <p:cNvSpPr txBox="1">
+            <a:spLocks/>
+          </p:cNvSpPr>
+          <p:nvPr/>
+        </p:nvSpPr>
+        <p:spPr>
+          <a:xfrm>
+            <a:off x="1103871" y="4428734"/>
+            <a:ext cx="9984259" cy="1737656"/>
+          </a:xfrm>
+          <a:prstGeom prst="rect">
+            <a:avLst/>
+          </a:prstGeom>
+        </p:spPr>
+        <p:txBody>
+          <a:bodyPr vert="horz" lIns="91440" tIns="45720" rIns="91440" bIns="45720" rtlCol="0" anchor="b">
+            <a:normAutofit fontScale="92500" lnSpcReduction="10000"/>
+          </a:bodyPr>
+          <a:lstStyle>
+            <a:lvl1pPr marL="0" algn="l" defTabSz="914400" rtl="0" eaLnBrk="1" latinLnBrk="0" hangingPunct="1">
+              <a:lnSpc>
+                <a:spcPct val="85000"/>
+              </a:lnSpc>
+              <a:spcBef>
+                <a:spcPct val="0"/>
+              </a:spcBef>
+              <a:buNone/>
+              <a:defRPr sz="4800" kern="1200" spc="-50" baseline="0">
+                <a:solidFill>
+                  <a:schemeClr val="tx1">
+                    <a:lumMod val="75000"/>
+                    <a:lumOff val="25000"/>
+                  </a:schemeClr>
+                </a:solidFill>
+                <a:latin typeface="+mj-lt"/>
+                <a:ea typeface="+mj-ea"/>
+                <a:cs typeface="+mj-cs"/>
+              </a:defRPr>
+            </a:lvl1pPr>
+          </a:lstStyle>
+          <a:p>
+            <a:endParaRPr lang="sr-Cyrl-BA" sz="3200" b="1" dirty="0">
+              <a:latin typeface="Times New Roman" panose="02020603050405020304" pitchFamily="18" charset="0"/>
+              <a:cs typeface="Times New Roman" panose="02020603050405020304" pitchFamily="18" charset="0"/>
+            </a:endParaRPr>
+          </a:p>
+          <a:p>
+            <a:pPr algn="ctr"/>
+            <a:r>
+              <a:rPr lang="sr-Cyrl-BA" sz="3500" b="1" dirty="0">
+                <a:latin typeface="Times New Roman" panose="02020603050405020304" pitchFamily="18" charset="0"/>
+                <a:cs typeface="Times New Roman" panose="02020603050405020304" pitchFamily="18" charset="0"/>
+              </a:rPr>
+              <a:t>Студент: Никола Карпић</a:t>
+            </a:r>
+            <a:endParaRPr lang="sr-Latn-BA" sz="3500" b="1" dirty="0">
+              <a:latin typeface="Times New Roman" panose="02020603050405020304" pitchFamily="18" charset="0"/>
+              <a:cs typeface="Times New Roman" panose="02020603050405020304" pitchFamily="18" charset="0"/>
+            </a:endParaRPr>
+          </a:p>
+          <a:p>
+            <a:pPr algn="ctr"/>
+            <a:r>
+              <a:rPr lang="ru-RU" sz="3500" b="1" dirty="0">
+                <a:latin typeface="Times New Roman" panose="02020603050405020304" pitchFamily="18" charset="0"/>
+                <a:cs typeface="Times New Roman" panose="02020603050405020304" pitchFamily="18" charset="0"/>
+              </a:rPr>
+              <a:t>Ментор: проф. др Зоран Ђурић</a:t>
+            </a:r>
+          </a:p>
+          <a:p>
+            <a:pPr algn="ctr"/>
+            <a:endParaRPr lang="sr-Cyrl-BA" sz="1700" b="1" dirty="0">
+              <a:latin typeface="Times New Roman" panose="02020603050405020304" pitchFamily="18" charset="0"/>
+              <a:cs typeface="Times New Roman" panose="02020603050405020304" pitchFamily="18" charset="0"/>
+            </a:endParaRPr>
+          </a:p>
+          <a:p>
+            <a:pPr algn="ctr"/>
+            <a:r>
+              <a:rPr lang="sr-Cyrl-BA" sz="3200" b="1" dirty="0">
+                <a:latin typeface="Times New Roman" panose="02020603050405020304" pitchFamily="18" charset="0"/>
+                <a:cs typeface="Times New Roman" panose="02020603050405020304" pitchFamily="18" charset="0"/>
+              </a:rPr>
+              <a:t>Бања Лука, јул 2024.</a:t>
+            </a:r>
+            <a:endParaRPr lang="sr-Latn-BA" sz="3200" dirty="0"/>
+          </a:p>
+        </p:txBody>
+      </p:sp>
     </p:spTree>
     <p:extLst>
       <p:ext uri="{BB962C8B-B14F-4D97-AF65-F5344CB8AC3E}">
@@ -12438,10 +12452,10 @@
       </p:grpSpPr>
       <p:sp>
         <p:nvSpPr>
-          <p:cNvPr id="15" name="Rectangle 14">
+          <p:cNvPr id="11" name="Rectangle 10">
             <a:extLst>
               <a:ext uri="{FF2B5EF4-FFF2-40B4-BE49-F238E27FC236}">
-                <a16:creationId xmlns:a16="http://schemas.microsoft.com/office/drawing/2014/main" id="{BB2B8762-61F0-4F1B-9364-D633EE9D6AF5}"/>
+                <a16:creationId xmlns:a16="http://schemas.microsoft.com/office/drawing/2014/main" id="{4E4490D0-3672-446A-AC12-B4830333BDDD}"/>
               </a:ext>
               <a:ext uri="{C183D7F6-B498-43B3-948B-1728B52AA6E4}">
                 <adec:decorative xmlns:adec="http://schemas.microsoft.com/office/drawing/2017/decorative" val="1"/>
@@ -12500,10 +12514,10 @@
       </p:sp>
       <p:sp>
         <p:nvSpPr>
-          <p:cNvPr id="17" name="Rectangle 16">
+          <p:cNvPr id="13" name="Rectangle 12">
             <a:extLst>
               <a:ext uri="{FF2B5EF4-FFF2-40B4-BE49-F238E27FC236}">
-                <a16:creationId xmlns:a16="http://schemas.microsoft.com/office/drawing/2014/main" id="{E97675C8-1328-460C-9EBF-6B446B67EAD3}"/>
+                <a16:creationId xmlns:a16="http://schemas.microsoft.com/office/drawing/2014/main" id="{39CB82C2-DF65-4EC1-8280-F201D50F570B}"/>
               </a:ext>
               <a:ext uri="{C183D7F6-B498-43B3-948B-1728B52AA6E4}">
                 <adec:decorative xmlns:adec="http://schemas.microsoft.com/office/drawing/2017/decorative" val="1"/>
@@ -12562,10 +12576,10 @@
       </p:sp>
       <p:cxnSp>
         <p:nvCxnSpPr>
-          <p:cNvPr id="19" name="Straight Connector 18">
+          <p:cNvPr id="15" name="Straight Connector 14">
             <a:extLst>
               <a:ext uri="{FF2B5EF4-FFF2-40B4-BE49-F238E27FC236}">
-                <a16:creationId xmlns:a16="http://schemas.microsoft.com/office/drawing/2014/main" id="{514EE78B-AF71-4195-A01B-F1165D9233BF}"/>
+                <a16:creationId xmlns:a16="http://schemas.microsoft.com/office/drawing/2014/main" id="{7E1D4427-852B-4B37-8E76-0E9F1810BA2A}"/>
               </a:ext>
               <a:ext uri="{C183D7F6-B498-43B3-948B-1728B52AA6E4}">
                 <adec:decorative xmlns:adec="http://schemas.microsoft.com/office/drawing/2017/decorative" val="1"/>
@@ -12617,10 +12631,10 @@
       </p:cxnSp>
       <p:sp useBgFill="1">
         <p:nvSpPr>
-          <p:cNvPr id="21" name="Rectangle 20">
+          <p:cNvPr id="17" name="Rectangle 16">
             <a:extLst>
               <a:ext uri="{FF2B5EF4-FFF2-40B4-BE49-F238E27FC236}">
-                <a16:creationId xmlns:a16="http://schemas.microsoft.com/office/drawing/2014/main" id="{C6417104-D4C1-4710-9982-2154A7F48492}"/>
+                <a16:creationId xmlns:a16="http://schemas.microsoft.com/office/drawing/2014/main" id="{FA4CD5CB-D209-4D70-8CA4-629731C59219}"/>
               </a:ext>
               <a:ext uri="{C183D7F6-B498-43B3-948B-1728B52AA6E4}">
                 <adec:decorative xmlns:adec="http://schemas.microsoft.com/office/drawing/2017/decorative" val="1"/>
@@ -12677,19 +12691,125 @@
       </p:sp>
       <p:sp>
         <p:nvSpPr>
-          <p:cNvPr id="23" name="Rectangle 22">
+          <p:cNvPr id="2" name="Title 1">
             <a:extLst>
               <a:ext uri="{FF2B5EF4-FFF2-40B4-BE49-F238E27FC236}">
-                <a16:creationId xmlns:a16="http://schemas.microsoft.com/office/drawing/2014/main" id="{626F1402-2DEC-4071-84AF-350C7BF00D43}"/>
+                <a16:creationId xmlns:a16="http://schemas.microsoft.com/office/drawing/2014/main" id="{9F719474-1991-7B37-AFE1-0CF4B47D90AB}"/>
+              </a:ext>
+            </a:extLst>
+          </p:cNvPr>
+          <p:cNvSpPr>
+            <a:spLocks noGrp="1"/>
+          </p:cNvSpPr>
+          <p:nvPr>
+            <p:ph type="title"/>
+          </p:nvPr>
+        </p:nvSpPr>
+        <p:spPr>
+          <a:xfrm>
+            <a:off x="8141110" y="639097"/>
+            <a:ext cx="3401961" cy="3686015"/>
+          </a:xfrm>
+        </p:spPr>
+        <p:txBody>
+          <a:bodyPr vert="horz" lIns="91440" tIns="45720" rIns="91440" bIns="45720" rtlCol="0" anchor="b">
+            <a:normAutofit/>
+          </a:bodyPr>
+          <a:lstStyle/>
+          <a:p>
+            <a:r>
+              <a:rPr lang="sr-Latn-BA" dirty="0">
+                <a:solidFill>
+                  <a:schemeClr val="tx1">
+                    <a:lumMod val="85000"/>
+                    <a:lumOff val="15000"/>
+                  </a:schemeClr>
+                </a:solidFill>
+                <a:latin typeface="Times New Roman" panose="02020603050405020304" pitchFamily="18" charset="0"/>
+                <a:cs typeface="Times New Roman" panose="02020603050405020304" pitchFamily="18" charset="0"/>
+              </a:rPr>
+              <a:t>M</a:t>
+            </a:r>
+            <a:r>
+              <a:rPr lang="en-US" dirty="0" err="1">
+                <a:solidFill>
+                  <a:schemeClr val="tx1">
+                    <a:lumMod val="85000"/>
+                    <a:lumOff val="15000"/>
+                  </a:schemeClr>
+                </a:solidFill>
+                <a:latin typeface="Times New Roman" panose="02020603050405020304" pitchFamily="18" charset="0"/>
+                <a:cs typeface="Times New Roman" panose="02020603050405020304" pitchFamily="18" charset="0"/>
+              </a:rPr>
+              <a:t>ашинско</a:t>
+            </a:r>
+            <a:r>
+              <a:rPr lang="en-US" dirty="0">
+                <a:solidFill>
+                  <a:schemeClr val="tx1">
+                    <a:lumMod val="85000"/>
+                    <a:lumOff val="15000"/>
+                  </a:schemeClr>
+                </a:solidFill>
+                <a:latin typeface="Times New Roman" panose="02020603050405020304" pitchFamily="18" charset="0"/>
+                <a:cs typeface="Times New Roman" panose="02020603050405020304" pitchFamily="18" charset="0"/>
+              </a:rPr>
+              <a:t> </a:t>
+            </a:r>
+            <a:r>
+              <a:rPr lang="en-US" dirty="0" err="1">
+                <a:solidFill>
+                  <a:schemeClr val="tx1">
+                    <a:lumMod val="85000"/>
+                    <a:lumOff val="15000"/>
+                  </a:schemeClr>
+                </a:solidFill>
+                <a:latin typeface="Times New Roman" panose="02020603050405020304" pitchFamily="18" charset="0"/>
+                <a:cs typeface="Times New Roman" panose="02020603050405020304" pitchFamily="18" charset="0"/>
+              </a:rPr>
+              <a:t>учењ</a:t>
+            </a:r>
+            <a:r>
+              <a:rPr lang="sr-Latn-BA" dirty="0">
+                <a:solidFill>
+                  <a:schemeClr val="tx1">
+                    <a:lumMod val="85000"/>
+                    <a:lumOff val="15000"/>
+                  </a:schemeClr>
+                </a:solidFill>
+                <a:latin typeface="Times New Roman" panose="02020603050405020304" pitchFamily="18" charset="0"/>
+                <a:cs typeface="Times New Roman" panose="02020603050405020304" pitchFamily="18" charset="0"/>
+              </a:rPr>
+              <a:t>e</a:t>
+            </a:r>
+            <a:endParaRPr lang="en-US" dirty="0">
+              <a:solidFill>
+                <a:schemeClr val="tx1">
+                  <a:lumMod val="85000"/>
+                  <a:lumOff val="15000"/>
+                </a:schemeClr>
+              </a:solidFill>
+              <a:latin typeface="Times New Roman" panose="02020603050405020304" pitchFamily="18" charset="0"/>
+              <a:cs typeface="Times New Roman" panose="02020603050405020304" pitchFamily="18" charset="0"/>
+            </a:endParaRPr>
+          </a:p>
+        </p:txBody>
+      </p:sp>
+      <p:cxnSp>
+        <p:nvCxnSpPr>
+          <p:cNvPr id="19" name="Straight Connector 18">
+            <a:extLst>
+              <a:ext uri="{FF2B5EF4-FFF2-40B4-BE49-F238E27FC236}">
+                <a16:creationId xmlns:a16="http://schemas.microsoft.com/office/drawing/2014/main" id="{5C6A2BAE-B461-4B55-8E1F-0722ABDD1393}"/>
               </a:ext>
               <a:ext uri="{C183D7F6-B498-43B3-948B-1728B52AA6E4}">
                 <adec:decorative xmlns:adec="http://schemas.microsoft.com/office/drawing/2017/decorative" val="1"/>
               </a:ext>
             </a:extLst>
           </p:cNvPr>
-          <p:cNvSpPr>
-            <a:spLocks noGrp="1" noRot="1" noChangeAspect="1" noMove="1" noResize="1" noEditPoints="1" noAdjustHandles="1" noChangeArrowheads="1" noChangeShapeType="1" noTextEdit="1"/>
-          </p:cNvSpPr>
+          <p:cNvCxnSpPr>
+            <a:cxnSpLocks noGrp="1" noRot="1" noChangeAspect="1" noMove="1" noResize="1" noEditPoints="1" noAdjustHandles="1" noChangeArrowheads="1" noChangeShapeType="1"/>
+          </p:cNvCxnSpPr>
           <p:nvPr>
             <p:extLst>
               <p:ext uri="{386F3935-93C4-4BCD-93E2-E3B085C9AB24}">
@@ -12697,71 +12817,11 @@
               </p:ext>
             </p:extLst>
           </p:nvPr>
-        </p:nvSpPr>
-        <p:spPr>
-          <a:xfrm>
-            <a:off x="6063996" y="886968"/>
-            <a:ext cx="64008" cy="3108960"/>
-          </a:xfrm>
-          <a:prstGeom prst="rect">
-            <a:avLst/>
-          </a:prstGeom>
-          <a:ln>
-            <a:noFill/>
-          </a:ln>
-        </p:spPr>
-        <p:style>
-          <a:lnRef idx="2">
-            <a:schemeClr val="accent1">
-              <a:shade val="50000"/>
-            </a:schemeClr>
-          </a:lnRef>
-          <a:fillRef idx="1">
-            <a:schemeClr val="accent1"/>
-          </a:fillRef>
-          <a:effectRef idx="0">
-            <a:schemeClr val="accent1"/>
-          </a:effectRef>
-          <a:fontRef idx="minor">
-            <a:schemeClr val="lt1"/>
-          </a:fontRef>
-        </p:style>
-        <p:txBody>
-          <a:bodyPr rtlCol="0" anchor="ctr"/>
-          <a:lstStyle/>
-          <a:p>
-            <a:pPr algn="ctr"/>
-            <a:endParaRPr lang="en-US"/>
-          </a:p>
-        </p:txBody>
-      </p:sp>
-      <p:cxnSp>
-        <p:nvCxnSpPr>
-          <p:cNvPr id="25" name="Straight Connector 24">
-            <a:extLst>
-              <a:ext uri="{FF2B5EF4-FFF2-40B4-BE49-F238E27FC236}">
-                <a16:creationId xmlns:a16="http://schemas.microsoft.com/office/drawing/2014/main" id="{04733B62-1719-4677-A612-CA0AC0AD7482}"/>
-              </a:ext>
-              <a:ext uri="{C183D7F6-B498-43B3-948B-1728B52AA6E4}">
-                <adec:decorative xmlns:adec="http://schemas.microsoft.com/office/drawing/2017/decorative" val="1"/>
-              </a:ext>
-            </a:extLst>
-          </p:cNvPr>
-          <p:cNvCxnSpPr>
-            <a:cxnSpLocks noGrp="1" noRot="1" noChangeAspect="1" noMove="1" noResize="1" noEditPoints="1" noAdjustHandles="1" noChangeArrowheads="1" noChangeShapeType="1"/>
-          </p:cNvCxnSpPr>
-          <p:nvPr>
-            <p:extLst>
-              <p:ext uri="{386F3935-93C4-4BCD-93E2-E3B085C9AB24}">
-                <p16:designElem xmlns:p16="http://schemas.microsoft.com/office/powerpoint/2015/main" val="1"/>
-              </p:ext>
-            </p:extLst>
-          </p:nvPr>
         </p:nvCxnSpPr>
         <p:spPr>
           <a:xfrm>
-            <a:off x="721086" y="5618770"/>
-            <a:ext cx="10515600" cy="0"/>
+            <a:off x="8209305" y="4343400"/>
+            <a:ext cx="3200400" cy="0"/>
           </a:xfrm>
           <a:prstGeom prst="line">
             <a:avLst/>
@@ -12791,10 +12851,10 @@
       </p:cxnSp>
       <p:sp>
         <p:nvSpPr>
-          <p:cNvPr id="27" name="Rectangle 26">
+          <p:cNvPr id="21" name="Rectangle 20">
             <a:extLst>
               <a:ext uri="{FF2B5EF4-FFF2-40B4-BE49-F238E27FC236}">
-                <a16:creationId xmlns:a16="http://schemas.microsoft.com/office/drawing/2014/main" id="{DA52A394-10F4-4AA5-90E4-634D1E919DBA}"/>
+                <a16:creationId xmlns:a16="http://schemas.microsoft.com/office/drawing/2014/main" id="{B4C27B90-DF2B-4D00-BA07-18ED774CD2F1}"/>
               </a:ext>
               <a:ext uri="{C183D7F6-B498-43B3-948B-1728B52AA6E4}">
                 <adec:decorative xmlns:adec="http://schemas.microsoft.com/office/drawing/2017/decorative" val="1"/>
@@ -12853,10 +12913,10 @@
       </p:sp>
       <p:sp>
         <p:nvSpPr>
-          <p:cNvPr id="29" name="Rectangle 28">
+          <p:cNvPr id="23" name="Rectangle 22">
             <a:extLst>
               <a:ext uri="{FF2B5EF4-FFF2-40B4-BE49-F238E27FC236}">
-                <a16:creationId xmlns:a16="http://schemas.microsoft.com/office/drawing/2014/main" id="{07BDDC51-8BB2-42BE-8EA8-39B3E9AC1EF6}"/>
+                <a16:creationId xmlns:a16="http://schemas.microsoft.com/office/drawing/2014/main" id="{593ACC25-C262-417A-8AA9-0641C772BDB6}"/>
               </a:ext>
               <a:ext uri="{C183D7F6-B498-43B3-948B-1728B52AA6E4}">
                 <adec:decorative xmlns:adec="http://schemas.microsoft.com/office/drawing/2017/decorative" val="1"/>
@@ -12915,10 +12975,10 @@
       </p:sp>
       <p:pic>
         <p:nvPicPr>
-          <p:cNvPr id="16" name="Content Placeholder 15">
+          <p:cNvPr id="5" name="Content Placeholder 23">
             <a:extLst>
               <a:ext uri="{FF2B5EF4-FFF2-40B4-BE49-F238E27FC236}">
-                <a16:creationId xmlns:a16="http://schemas.microsoft.com/office/drawing/2014/main" id="{F9A041E0-FCC7-44C2-C7A2-41E53D88157C}"/>
+                <a16:creationId xmlns:a16="http://schemas.microsoft.com/office/drawing/2014/main" id="{DF27F6D7-64E4-A0D6-5061-E52DDE497F70}"/>
               </a:ext>
             </a:extLst>
           </p:cNvPr>
@@ -12926,7 +12986,7 @@
             <a:picLocks noGrp="1" noChangeAspect="1"/>
           </p:cNvPicPr>
           <p:nvPr>
-            <p:ph sz="half" idx="2"/>
+            <p:ph sz="half" idx="1"/>
           </p:nvPr>
         </p:nvPicPr>
         <p:blipFill>
@@ -12937,17 +12997,17 @@
         </p:blipFill>
         <p:spPr>
           <a:xfrm>
-            <a:off x="164155" y="734526"/>
-            <a:ext cx="5735686" cy="4246559"/>
+            <a:off x="2960370" y="615582"/>
+            <a:ext cx="5248935" cy="5667329"/>
           </a:xfrm>
         </p:spPr>
       </p:pic>
       <p:pic>
         <p:nvPicPr>
-          <p:cNvPr id="24" name="Content Placeholder 23">
+          <p:cNvPr id="7" name="Content Placeholder 15">
             <a:extLst>
               <a:ext uri="{FF2B5EF4-FFF2-40B4-BE49-F238E27FC236}">
-                <a16:creationId xmlns:a16="http://schemas.microsoft.com/office/drawing/2014/main" id="{D78D9A05-BC36-1D42-A39F-C84A054F60FC}"/>
+                <a16:creationId xmlns:a16="http://schemas.microsoft.com/office/drawing/2014/main" id="{231484DB-6B59-28CA-92DA-C19B3365D1DE}"/>
               </a:ext>
             </a:extLst>
           </p:cNvPr>
@@ -12955,26 +13015,25 @@
             <a:picLocks noGrp="1" noChangeAspect="1"/>
           </p:cNvPicPr>
           <p:nvPr>
-            <p:ph sz="half" idx="1"/>
+            <p:ph sz="half" idx="2"/>
           </p:nvPr>
         </p:nvPicPr>
-        <p:blipFill>
+        <p:blipFill rotWithShape="1">
           <a:blip r:embed="rId4"/>
-          <a:stretch>
-            <a:fillRect/>
-          </a:stretch>
+          <a:srcRect b="16956"/>
+          <a:stretch/>
         </p:blipFill>
         <p:spPr>
           <a:xfrm>
-            <a:off x="6402446" y="207164"/>
-            <a:ext cx="4680732" cy="5053834"/>
+            <a:off x="331470" y="135468"/>
+            <a:ext cx="4609240" cy="2833943"/>
           </a:xfrm>
         </p:spPr>
       </p:pic>
     </p:spTree>
     <p:extLst>
       <p:ext uri="{BB962C8B-B14F-4D97-AF65-F5344CB8AC3E}">
-        <p14:creationId xmlns:p14="http://schemas.microsoft.com/office/powerpoint/2010/main" val="3323879245"/>
+        <p14:creationId xmlns:p14="http://schemas.microsoft.com/office/powerpoint/2010/main" val="3550084692"/>
       </p:ext>
     </p:extLst>
   </p:cSld>

--- a/Presentation/Razvoj rješenja za predviđanje broja osoba u prostoriji.pptx
+++ b/Presentation/Razvoj rješenja za predviđanje broja osoba u prostoriji.pptx
@@ -215,7 +215,7 @@
           <a:p>
             <a:fld id="{933E0DE9-15DF-4B33-8D15-723B754FA0F6}" type="datetimeFigureOut">
               <a:rPr lang="sr-Latn-BA" smtClean="0"/>
-              <a:t>1.7.2024.</a:t>
+              <a:t>3.9.2024.</a:t>
             </a:fld>
             <a:endParaRPr lang="sr-Latn-BA"/>
           </a:p>
@@ -1589,7 +1589,7 @@
           <a:p>
             <a:r>
               <a:rPr lang="sr-Cyrl-BA" dirty="0"/>
-              <a:t>Постоје три главна типа машинског учења: надгледано учење, ненадгледано учење и учење у подстицај.</a:t>
+              <a:t>Постоје три главна типа машинског учења: надгледано учење, ненадгледано учење и учење уз подстицај.</a:t>
             </a:r>
             <a:endParaRPr lang="en-US" dirty="0"/>
           </a:p>
@@ -1923,7 +1923,7 @@
           <a:p>
             <a:r>
               <a:rPr lang="sr-Cyrl-BA" dirty="0"/>
-              <a:t>Важно је прецизно дефинисати проблем како би се одабрала одговарајућа методологијаи алгоритми за његово рјешавање.</a:t>
+              <a:t>Важно је прецизно дефинисати проблем како би се одабрала одговарајућа методологија и алгоритми за његово рјешавање.</a:t>
             </a:r>
           </a:p>
           <a:p>
@@ -2158,7 +2158,7 @@
           <a:p>
             <a:r>
               <a:rPr lang="sr-Cyrl-BA" dirty="0"/>
-              <a:t>У овом раду су избачени празни редови, дупликати и редови у којима је број особа у просторији био мањи од нула.  </a:t>
+              <a:t>У овом раду су избачени празни редови дупликати и редови у којима је број особа у просторији био мањи од нула.  </a:t>
             </a:r>
           </a:p>
           <a:p>
@@ -2332,7 +2332,7 @@
             </a:r>
             <a:r>
               <a:rPr lang="sr-Cyrl-BA" dirty="0"/>
-              <a:t> је напредан алгоритам за који користи постепено појачавање</a:t>
+              <a:t> је напредан алгоритам који користи постепено појачавање</a:t>
             </a:r>
             <a:r>
               <a:rPr lang="en-US" dirty="0"/>
@@ -2340,21 +2340,13 @@
             </a:r>
             <a:r>
               <a:rPr lang="sr-Cyrl-BA" dirty="0"/>
-              <a:t>и нуди високу тачност </a:t>
-            </a:r>
-            <a:r>
-              <a:rPr lang="sr-Cyrl-BA"/>
-              <a:t>и брзу </a:t>
-            </a:r>
+              <a:t>и нуди високу тачност и брзу обуку.</a:t>
+            </a:r>
+          </a:p>
+          <a:p>
             <a:r>
               <a:rPr lang="sr-Cyrl-BA" dirty="0"/>
-              <a:t>обуку.</a:t>
-            </a:r>
-          </a:p>
-          <a:p>
-            <a:r>
-              <a:rPr lang="sr-Cyrl-BA" dirty="0"/>
-              <a:t>Сваки од ових модела је тестиран на истом скупу података како би се одредила њихова тачност и ефикасност.</a:t>
+              <a:t>Сваки од ових алгоритама је тестиран на истом скупу података како би се одредила њихова тачност и ефикасност.</a:t>
             </a:r>
             <a:endParaRPr lang="sr-Latn-BA" dirty="0"/>
           </a:p>
@@ -2622,7 +2614,7 @@
           <a:p>
             <a:fld id="{694A021E-8389-4A27-AC52-9AEBB6FACBF4}" type="datetimeFigureOut">
               <a:rPr lang="sr-Latn-BA" smtClean="0"/>
-              <a:t>1.7.2024.</a:t>
+              <a:t>3.9.2024.</a:t>
             </a:fld>
             <a:endParaRPr lang="sr-Latn-BA"/>
           </a:p>
@@ -2830,7 +2822,7 @@
           <a:p>
             <a:fld id="{694A021E-8389-4A27-AC52-9AEBB6FACBF4}" type="datetimeFigureOut">
               <a:rPr lang="sr-Latn-BA" smtClean="0"/>
-              <a:t>1.7.2024.</a:t>
+              <a:t>3.9.2024.</a:t>
             </a:fld>
             <a:endParaRPr lang="sr-Latn-BA"/>
           </a:p>
@@ -3086,7 +3078,7 @@
           <a:p>
             <a:fld id="{694A021E-8389-4A27-AC52-9AEBB6FACBF4}" type="datetimeFigureOut">
               <a:rPr lang="sr-Latn-BA" smtClean="0"/>
-              <a:t>1.7.2024.</a:t>
+              <a:t>3.9.2024.</a:t>
             </a:fld>
             <a:endParaRPr lang="sr-Latn-BA"/>
           </a:p>
@@ -3260,7 +3252,7 @@
           <a:p>
             <a:fld id="{694A021E-8389-4A27-AC52-9AEBB6FACBF4}" type="datetimeFigureOut">
               <a:rPr lang="sr-Latn-BA" smtClean="0"/>
-              <a:t>1.7.2024.</a:t>
+              <a:t>3.9.2024.</a:t>
             </a:fld>
             <a:endParaRPr lang="sr-Latn-BA"/>
           </a:p>
@@ -3603,7 +3595,7 @@
           <a:p>
             <a:fld id="{694A021E-8389-4A27-AC52-9AEBB6FACBF4}" type="datetimeFigureOut">
               <a:rPr lang="sr-Latn-BA" smtClean="0"/>
-              <a:t>1.7.2024.</a:t>
+              <a:t>3.9.2024.</a:t>
             </a:fld>
             <a:endParaRPr lang="sr-Latn-BA"/>
           </a:p>
@@ -3878,7 +3870,7 @@
           <a:p>
             <a:fld id="{694A021E-8389-4A27-AC52-9AEBB6FACBF4}" type="datetimeFigureOut">
               <a:rPr lang="sr-Latn-BA" smtClean="0"/>
-              <a:t>1.7.2024.</a:t>
+              <a:t>3.9.2024.</a:t>
             </a:fld>
             <a:endParaRPr lang="sr-Latn-BA"/>
           </a:p>
@@ -4257,7 +4249,7 @@
           <a:p>
             <a:fld id="{694A021E-8389-4A27-AC52-9AEBB6FACBF4}" type="datetimeFigureOut">
               <a:rPr lang="sr-Latn-BA" smtClean="0"/>
-              <a:t>1.7.2024.</a:t>
+              <a:t>3.9.2024.</a:t>
             </a:fld>
             <a:endParaRPr lang="sr-Latn-BA"/>
           </a:p>
@@ -4375,7 +4367,7 @@
           <a:p>
             <a:fld id="{694A021E-8389-4A27-AC52-9AEBB6FACBF4}" type="datetimeFigureOut">
               <a:rPr lang="sr-Latn-BA" smtClean="0"/>
-              <a:t>1.7.2024.</a:t>
+              <a:t>3.9.2024.</a:t>
             </a:fld>
             <a:endParaRPr lang="sr-Latn-BA"/>
           </a:p>
@@ -4546,7 +4538,7 @@
           <a:p>
             <a:fld id="{694A021E-8389-4A27-AC52-9AEBB6FACBF4}" type="datetimeFigureOut">
               <a:rPr lang="sr-Latn-BA" smtClean="0"/>
-              <a:t>1.7.2024.</a:t>
+              <a:t>3.9.2024.</a:t>
             </a:fld>
             <a:endParaRPr lang="sr-Latn-BA"/>
           </a:p>
@@ -4900,7 +4892,7 @@
           <a:p>
             <a:fld id="{694A021E-8389-4A27-AC52-9AEBB6FACBF4}" type="datetimeFigureOut">
               <a:rPr lang="sr-Latn-BA" smtClean="0"/>
-              <a:t>1.7.2024.</a:t>
+              <a:t>3.9.2024.</a:t>
             </a:fld>
             <a:endParaRPr lang="sr-Latn-BA"/>
           </a:p>
@@ -5282,7 +5274,7 @@
           <a:p>
             <a:fld id="{694A021E-8389-4A27-AC52-9AEBB6FACBF4}" type="datetimeFigureOut">
               <a:rPr lang="sr-Latn-BA" smtClean="0"/>
-              <a:t>1.7.2024.</a:t>
+              <a:t>3.9.2024.</a:t>
             </a:fld>
             <a:endParaRPr lang="sr-Latn-BA"/>
           </a:p>
@@ -5569,7 +5561,7 @@
           <a:p>
             <a:fld id="{694A021E-8389-4A27-AC52-9AEBB6FACBF4}" type="datetimeFigureOut">
               <a:rPr lang="sr-Latn-BA" smtClean="0"/>
-              <a:t>1.7.2024.</a:t>
+              <a:t>3.9.2024.</a:t>
             </a:fld>
             <a:endParaRPr lang="sr-Latn-BA"/>
           </a:p>

--- a/Presentation/Razvoj rješenja za predviđanje broja osoba u prostoriji.pptx
+++ b/Presentation/Razvoj rješenja za predviđanje broja osoba u prostoriji.pptx
@@ -6400,7 +6400,7 @@
                 <a:latin typeface="Times New Roman" panose="02020603050405020304" pitchFamily="18" charset="0"/>
                 <a:cs typeface="Times New Roman" panose="02020603050405020304" pitchFamily="18" charset="0"/>
               </a:rPr>
-              <a:t>Бања Лука, јул 2024.</a:t>
+              <a:t>Бања Лука, септембар 2024.</a:t>
             </a:r>
             <a:endParaRPr lang="sr-Latn-BA" sz="3200" dirty="0"/>
           </a:p>
